--- a/img/101020639.pptx
+++ b/img/101020639.pptx
@@ -260,7 +260,7 @@
           <a:p>
             <a:fld id="{B3C763E6-A331-421D-8BD6-C5F36AE65CA4}" type="datetimeFigureOut">
               <a:rPr lang="zh-CN" altLang="en-US" smtClean="0"/>
-              <a:t>2019/4/16</a:t>
+              <a:t>2019/4/17</a:t>
             </a:fld>
             <a:endParaRPr lang="zh-CN" altLang="en-US"/>
           </a:p>
@@ -458,7 +458,7 @@
           <a:p>
             <a:fld id="{B3C763E6-A331-421D-8BD6-C5F36AE65CA4}" type="datetimeFigureOut">
               <a:rPr lang="zh-CN" altLang="en-US" smtClean="0"/>
-              <a:t>2019/4/16</a:t>
+              <a:t>2019/4/17</a:t>
             </a:fld>
             <a:endParaRPr lang="zh-CN" altLang="en-US"/>
           </a:p>
@@ -666,7 +666,7 @@
           <a:p>
             <a:fld id="{B3C763E6-A331-421D-8BD6-C5F36AE65CA4}" type="datetimeFigureOut">
               <a:rPr lang="zh-CN" altLang="en-US" smtClean="0"/>
-              <a:t>2019/4/16</a:t>
+              <a:t>2019/4/17</a:t>
             </a:fld>
             <a:endParaRPr lang="zh-CN" altLang="en-US"/>
           </a:p>
@@ -864,7 +864,7 @@
           <a:p>
             <a:fld id="{B3C763E6-A331-421D-8BD6-C5F36AE65CA4}" type="datetimeFigureOut">
               <a:rPr lang="zh-CN" altLang="en-US" smtClean="0"/>
-              <a:t>2019/4/16</a:t>
+              <a:t>2019/4/17</a:t>
             </a:fld>
             <a:endParaRPr lang="zh-CN" altLang="en-US"/>
           </a:p>
@@ -1139,7 +1139,7 @@
           <a:p>
             <a:fld id="{B3C763E6-A331-421D-8BD6-C5F36AE65CA4}" type="datetimeFigureOut">
               <a:rPr lang="zh-CN" altLang="en-US" smtClean="0"/>
-              <a:t>2019/4/16</a:t>
+              <a:t>2019/4/17</a:t>
             </a:fld>
             <a:endParaRPr lang="zh-CN" altLang="en-US"/>
           </a:p>
@@ -1404,7 +1404,7 @@
           <a:p>
             <a:fld id="{B3C763E6-A331-421D-8BD6-C5F36AE65CA4}" type="datetimeFigureOut">
               <a:rPr lang="zh-CN" altLang="en-US" smtClean="0"/>
-              <a:t>2019/4/16</a:t>
+              <a:t>2019/4/17</a:t>
             </a:fld>
             <a:endParaRPr lang="zh-CN" altLang="en-US"/>
           </a:p>
@@ -1816,7 +1816,7 @@
           <a:p>
             <a:fld id="{B3C763E6-A331-421D-8BD6-C5F36AE65CA4}" type="datetimeFigureOut">
               <a:rPr lang="zh-CN" altLang="en-US" smtClean="0"/>
-              <a:t>2019/4/16</a:t>
+              <a:t>2019/4/17</a:t>
             </a:fld>
             <a:endParaRPr lang="zh-CN" altLang="en-US"/>
           </a:p>
@@ -1957,7 +1957,7 @@
           <a:p>
             <a:fld id="{B3C763E6-A331-421D-8BD6-C5F36AE65CA4}" type="datetimeFigureOut">
               <a:rPr lang="zh-CN" altLang="en-US" smtClean="0"/>
-              <a:t>2019/4/16</a:t>
+              <a:t>2019/4/17</a:t>
             </a:fld>
             <a:endParaRPr lang="zh-CN" altLang="en-US"/>
           </a:p>
@@ -2070,7 +2070,7 @@
           <a:p>
             <a:fld id="{B3C763E6-A331-421D-8BD6-C5F36AE65CA4}" type="datetimeFigureOut">
               <a:rPr lang="zh-CN" altLang="en-US" smtClean="0"/>
-              <a:t>2019/4/16</a:t>
+              <a:t>2019/4/17</a:t>
             </a:fld>
             <a:endParaRPr lang="zh-CN" altLang="en-US"/>
           </a:p>
@@ -2381,7 +2381,7 @@
           <a:p>
             <a:fld id="{B3C763E6-A331-421D-8BD6-C5F36AE65CA4}" type="datetimeFigureOut">
               <a:rPr lang="zh-CN" altLang="en-US" smtClean="0"/>
-              <a:t>2019/4/16</a:t>
+              <a:t>2019/4/17</a:t>
             </a:fld>
             <a:endParaRPr lang="zh-CN" altLang="en-US"/>
           </a:p>
@@ -2669,7 +2669,7 @@
           <a:p>
             <a:fld id="{B3C763E6-A331-421D-8BD6-C5F36AE65CA4}" type="datetimeFigureOut">
               <a:rPr lang="zh-CN" altLang="en-US" smtClean="0"/>
-              <a:t>2019/4/16</a:t>
+              <a:t>2019/4/17</a:t>
             </a:fld>
             <a:endParaRPr lang="zh-CN" altLang="en-US"/>
           </a:p>
@@ -2910,7 +2910,7 @@
           <a:p>
             <a:fld id="{B3C763E6-A331-421D-8BD6-C5F36AE65CA4}" type="datetimeFigureOut">
               <a:rPr lang="zh-CN" altLang="en-US" smtClean="0"/>
-              <a:t>2019/4/16</a:t>
+              <a:t>2019/4/17</a:t>
             </a:fld>
             <a:endParaRPr lang="zh-CN" altLang="en-US"/>
           </a:p>
@@ -3341,8 +3341,8 @@
         </p:nvSpPr>
         <p:spPr>
           <a:xfrm>
-            <a:off x="4022889" y="4563462"/>
-            <a:ext cx="4663386" cy="2205732"/>
+            <a:off x="7205421" y="1450451"/>
+            <a:ext cx="4492969" cy="2526333"/>
           </a:xfrm>
           <a:prstGeom prst="rect">
             <a:avLst/>
@@ -3372,12 +3372,35 @@
               <a:t>GND</a:t>
             </a:r>
             <a:r>
+              <a:rPr lang="en-US" sz="1600">
+                <a:latin typeface="Leelawadee UI" panose="020B0502040204020203" pitchFamily="34" charset="-34"/>
+                <a:ea typeface="Microsoft JhengHei Light" panose="020B0304030504040204" pitchFamily="34" charset="-120"/>
+                <a:cs typeface="Leelawadee UI" panose="020B0502040204020203" pitchFamily="34" charset="-34"/>
+              </a:rPr>
+              <a:t>: </a:t>
+            </a:r>
+          </a:p>
+          <a:p>
+            <a:pPr algn="just">
+              <a:lnSpc>
+                <a:spcPts val="2500"/>
+              </a:lnSpc>
+            </a:pPr>
+            <a:r>
+              <a:rPr lang="en-US" sz="1600">
+                <a:latin typeface="Leelawadee UI" panose="020B0502040204020203" pitchFamily="34" charset="-34"/>
+                <a:ea typeface="Microsoft JhengHei Light" panose="020B0304030504040204" pitchFamily="34" charset="-120"/>
+                <a:cs typeface="Leelawadee UI" panose="020B0502040204020203" pitchFamily="34" charset="-34"/>
+              </a:rPr>
+              <a:t>connect </a:t>
+            </a:r>
+            <a:r>
               <a:rPr lang="en-US" sz="1600" dirty="0">
                 <a:latin typeface="Leelawadee UI" panose="020B0502040204020203" pitchFamily="34" charset="-34"/>
                 <a:ea typeface="Microsoft JhengHei Light" panose="020B0304030504040204" pitchFamily="34" charset="-120"/>
                 <a:cs typeface="Leelawadee UI" panose="020B0502040204020203" pitchFamily="34" charset="-34"/>
               </a:rPr>
-              <a:t>: connect this module </a:t>
+              <a:t>this module </a:t>
             </a:r>
             <a:r>
               <a:rPr lang="en-US" altLang="zh-CN" sz="1600" dirty="0">
@@ -3393,7 +3416,15 @@
                 <a:ea typeface="Microsoft JhengHei Light" panose="020B0304030504040204" pitchFamily="34" charset="-120"/>
                 <a:cs typeface="Leelawadee UI" panose="020B0502040204020203" pitchFamily="34" charset="-34"/>
               </a:rPr>
-              <a:t> the system GND </a:t>
+              <a:t> the system </a:t>
+            </a:r>
+            <a:r>
+              <a:rPr lang="en-US" sz="1600">
+                <a:latin typeface="Leelawadee UI" panose="020B0502040204020203" pitchFamily="34" charset="-34"/>
+                <a:ea typeface="Microsoft JhengHei Light" panose="020B0304030504040204" pitchFamily="34" charset="-120"/>
+                <a:cs typeface="Leelawadee UI" panose="020B0502040204020203" pitchFamily="34" charset="-34"/>
+              </a:rPr>
+              <a:t>GND </a:t>
             </a:r>
           </a:p>
           <a:p>
@@ -3402,8 +3433,1249 @@
                 <a:spcPts val="2500"/>
               </a:lnSpc>
             </a:pPr>
-            <a:r>
-              <a:rPr lang="en-US" sz="1600" b="1" dirty="0">
+            <a:endParaRPr lang="en-US" sz="1600" b="1">
+              <a:solidFill>
+                <a:schemeClr val="accent1"/>
+              </a:solidFill>
+              <a:latin typeface="Leelawadee UI" panose="020B0502040204020203" pitchFamily="34" charset="-34"/>
+              <a:ea typeface="Microsoft JhengHei Light" panose="020B0304030504040204" pitchFamily="34" charset="-120"/>
+              <a:cs typeface="Leelawadee UI" panose="020B0502040204020203" pitchFamily="34" charset="-34"/>
+            </a:endParaRPr>
+          </a:p>
+          <a:p>
+            <a:pPr algn="just">
+              <a:lnSpc>
+                <a:spcPts val="2500"/>
+              </a:lnSpc>
+            </a:pPr>
+            <a:endParaRPr lang="en-US" sz="1600" b="1">
+              <a:solidFill>
+                <a:schemeClr val="accent1"/>
+              </a:solidFill>
+              <a:latin typeface="Leelawadee UI" panose="020B0502040204020203" pitchFamily="34" charset="-34"/>
+              <a:ea typeface="Microsoft JhengHei Light" panose="020B0304030504040204" pitchFamily="34" charset="-120"/>
+              <a:cs typeface="Leelawadee UI" panose="020B0502040204020203" pitchFamily="34" charset="-34"/>
+            </a:endParaRPr>
+          </a:p>
+          <a:p>
+            <a:pPr algn="just">
+              <a:lnSpc>
+                <a:spcPts val="2500"/>
+              </a:lnSpc>
+            </a:pPr>
+            <a:endParaRPr lang="en-US" sz="1600" b="1">
+              <a:solidFill>
+                <a:schemeClr val="accent1"/>
+              </a:solidFill>
+              <a:latin typeface="Leelawadee UI" panose="020B0502040204020203" pitchFamily="34" charset="-34"/>
+              <a:ea typeface="Microsoft JhengHei Light" panose="020B0304030504040204" pitchFamily="34" charset="-120"/>
+              <a:cs typeface="Leelawadee UI" panose="020B0502040204020203" pitchFamily="34" charset="-34"/>
+            </a:endParaRPr>
+          </a:p>
+          <a:p>
+            <a:pPr algn="just"/>
+            <a:endParaRPr lang="en-US" sz="1200" dirty="0">
+              <a:solidFill>
+                <a:srgbClr val="D4D4D4"/>
+              </a:solidFill>
+              <a:latin typeface="Consolas" panose="020B0609020204030204" pitchFamily="49" charset="0"/>
+            </a:endParaRPr>
+          </a:p>
+          <a:p>
+            <a:pPr algn="just"/>
+            <a:endParaRPr lang="en-US" sz="1200" dirty="0">
+              <a:latin typeface="Times New Roman" panose="02020603050405020304" pitchFamily="18" charset="0"/>
+              <a:cs typeface="Times New Roman" panose="02020603050405020304" pitchFamily="18" charset="0"/>
+            </a:endParaRPr>
+          </a:p>
+          <a:p>
+            <a:pPr algn="just"/>
+            <a:endParaRPr lang="en-US" sz="1200" dirty="0">
+              <a:latin typeface="Times New Roman" panose="02020603050405020304" pitchFamily="18" charset="0"/>
+              <a:cs typeface="Times New Roman" panose="02020603050405020304" pitchFamily="18" charset="0"/>
+            </a:endParaRPr>
+          </a:p>
+          <a:p>
+            <a:pPr algn="just"/>
+            <a:endParaRPr lang="en-US" dirty="0"/>
+          </a:p>
+        </p:txBody>
+      </p:sp>
+      <p:pic>
+        <p:nvPicPr>
+          <p:cNvPr id="23" name="图片 22">
+            <a:extLst>
+              <a:ext uri="{FF2B5EF4-FFF2-40B4-BE49-F238E27FC236}">
+                <a16:creationId xmlns:a16="http://schemas.microsoft.com/office/drawing/2014/main" id="{414AE8AF-CBE4-4BFD-AFAF-07DC5B52EFCC}"/>
+              </a:ext>
+            </a:extLst>
+          </p:cNvPr>
+          <p:cNvPicPr>
+            <a:picLocks noChangeAspect="1"/>
+          </p:cNvPicPr>
+          <p:nvPr/>
+        </p:nvPicPr>
+        <p:blipFill>
+          <a:blip r:embed="rId2">
+            <a:extLst>
+              <a:ext uri="{28A0092B-C50C-407E-A947-70E740481C1C}">
+                <a14:useLocalDpi xmlns:a14="http://schemas.microsoft.com/office/drawing/2010/main" val="0"/>
+              </a:ext>
+            </a:extLst>
+          </a:blip>
+          <a:stretch>
+            <a:fillRect/>
+          </a:stretch>
+        </p:blipFill>
+        <p:spPr>
+          <a:xfrm>
+            <a:off x="6881680" y="2269534"/>
+            <a:ext cx="266700" cy="266700"/>
+          </a:xfrm>
+          <a:prstGeom prst="rect">
+            <a:avLst/>
+          </a:prstGeom>
+        </p:spPr>
+      </p:pic>
+      <p:pic>
+        <p:nvPicPr>
+          <p:cNvPr id="24" name="图片 23">
+            <a:extLst>
+              <a:ext uri="{FF2B5EF4-FFF2-40B4-BE49-F238E27FC236}">
+                <a16:creationId xmlns:a16="http://schemas.microsoft.com/office/drawing/2014/main" id="{00E4D8E8-6A9C-43F1-A165-34ACFA4BF335}"/>
+              </a:ext>
+            </a:extLst>
+          </p:cNvPr>
+          <p:cNvPicPr>
+            <a:picLocks noChangeAspect="1"/>
+          </p:cNvPicPr>
+          <p:nvPr/>
+        </p:nvPicPr>
+        <p:blipFill>
+          <a:blip r:embed="rId3">
+            <a:extLst>
+              <a:ext uri="{28A0092B-C50C-407E-A947-70E740481C1C}">
+                <a14:useLocalDpi xmlns:a14="http://schemas.microsoft.com/office/drawing/2010/main" val="0"/>
+              </a:ext>
+            </a:extLst>
+          </a:blip>
+          <a:stretch>
+            <a:fillRect/>
+          </a:stretch>
+        </p:blipFill>
+        <p:spPr>
+          <a:xfrm>
+            <a:off x="6894576" y="1543229"/>
+            <a:ext cx="266700" cy="266700"/>
+          </a:xfrm>
+          <a:prstGeom prst="rect">
+            <a:avLst/>
+          </a:prstGeom>
+        </p:spPr>
+      </p:pic>
+      <p:pic>
+        <p:nvPicPr>
+          <p:cNvPr id="25" name="图片 24">
+            <a:extLst>
+              <a:ext uri="{FF2B5EF4-FFF2-40B4-BE49-F238E27FC236}">
+                <a16:creationId xmlns:a16="http://schemas.microsoft.com/office/drawing/2014/main" id="{D6286F73-9997-4F88-9C66-CD7312A28852}"/>
+              </a:ext>
+            </a:extLst>
+          </p:cNvPr>
+          <p:cNvPicPr>
+            <a:picLocks noChangeAspect="1"/>
+          </p:cNvPicPr>
+          <p:nvPr/>
+        </p:nvPicPr>
+        <p:blipFill>
+          <a:blip r:embed="rId4">
+            <a:extLst>
+              <a:ext uri="{28A0092B-C50C-407E-A947-70E740481C1C}">
+                <a14:useLocalDpi xmlns:a14="http://schemas.microsoft.com/office/drawing/2010/main" val="0"/>
+              </a:ext>
+            </a:extLst>
+          </a:blip>
+          <a:stretch>
+            <a:fillRect/>
+          </a:stretch>
+        </p:blipFill>
+        <p:spPr>
+          <a:xfrm>
+            <a:off x="6896754" y="3766167"/>
+            <a:ext cx="266700" cy="266700"/>
+          </a:xfrm>
+          <a:prstGeom prst="rect">
+            <a:avLst/>
+          </a:prstGeom>
+        </p:spPr>
+      </p:pic>
+      <p:pic>
+        <p:nvPicPr>
+          <p:cNvPr id="27" name="图片 26">
+            <a:extLst>
+              <a:ext uri="{FF2B5EF4-FFF2-40B4-BE49-F238E27FC236}">
+                <a16:creationId xmlns:a16="http://schemas.microsoft.com/office/drawing/2014/main" id="{C445E3BF-D545-456A-8515-0BE00966701A}"/>
+              </a:ext>
+            </a:extLst>
+          </p:cNvPr>
+          <p:cNvPicPr>
+            <a:picLocks noChangeAspect="1"/>
+          </p:cNvPicPr>
+          <p:nvPr/>
+        </p:nvPicPr>
+        <p:blipFill>
+          <a:blip r:embed="rId5">
+            <a:extLst>
+              <a:ext uri="{28A0092B-C50C-407E-A947-70E740481C1C}">
+                <a14:useLocalDpi xmlns:a14="http://schemas.microsoft.com/office/drawing/2010/main" val="0"/>
+              </a:ext>
+            </a:extLst>
+          </a:blip>
+          <a:stretch>
+            <a:fillRect/>
+          </a:stretch>
+        </p:blipFill>
+        <p:spPr>
+          <a:xfrm>
+            <a:off x="6887155" y="2998442"/>
+            <a:ext cx="266700" cy="266700"/>
+          </a:xfrm>
+          <a:prstGeom prst="rect">
+            <a:avLst/>
+          </a:prstGeom>
+        </p:spPr>
+      </p:pic>
+      <p:pic>
+        <p:nvPicPr>
+          <p:cNvPr id="3" name="图片 2">
+            <a:extLst>
+              <a:ext uri="{FF2B5EF4-FFF2-40B4-BE49-F238E27FC236}">
+                <a16:creationId xmlns:a16="http://schemas.microsoft.com/office/drawing/2014/main" id="{02AD2AC8-8C92-4B55-BC9C-1DDF37C8896C}"/>
+              </a:ext>
+            </a:extLst>
+          </p:cNvPr>
+          <p:cNvPicPr>
+            <a:picLocks noChangeAspect="1"/>
+          </p:cNvPicPr>
+          <p:nvPr/>
+        </p:nvPicPr>
+        <p:blipFill>
+          <a:blip r:embed="rId6">
+            <a:extLst>
+              <a:ext uri="{28A0092B-C50C-407E-A947-70E740481C1C}">
+                <a14:useLocalDpi xmlns:a14="http://schemas.microsoft.com/office/drawing/2010/main" val="0"/>
+              </a:ext>
+            </a:extLst>
+          </a:blip>
+          <a:stretch>
+            <a:fillRect/>
+          </a:stretch>
+        </p:blipFill>
+        <p:spPr>
+          <a:xfrm>
+            <a:off x="1511970" y="804313"/>
+            <a:ext cx="5163968" cy="3874245"/>
+          </a:xfrm>
+          <a:prstGeom prst="rect">
+            <a:avLst/>
+          </a:prstGeom>
+        </p:spPr>
+      </p:pic>
+      <p:cxnSp>
+        <p:nvCxnSpPr>
+          <p:cNvPr id="6" name="直接连接符 5">
+            <a:extLst>
+              <a:ext uri="{FF2B5EF4-FFF2-40B4-BE49-F238E27FC236}">
+                <a16:creationId xmlns:a16="http://schemas.microsoft.com/office/drawing/2014/main" id="{33756AE6-8C78-4F38-8EA9-C0DECC91B8EB}"/>
+              </a:ext>
+            </a:extLst>
+          </p:cNvPr>
+          <p:cNvCxnSpPr>
+            <a:cxnSpLocks/>
+          </p:cNvCxnSpPr>
+          <p:nvPr/>
+        </p:nvCxnSpPr>
+        <p:spPr>
+          <a:xfrm>
+            <a:off x="1844590" y="2384249"/>
+            <a:ext cx="1087693" cy="0"/>
+          </a:xfrm>
+          <a:prstGeom prst="line">
+            <a:avLst/>
+          </a:prstGeom>
+          <a:ln w="12700" cap="flat" cmpd="sng" algn="ctr">
+            <a:solidFill>
+              <a:schemeClr val="accent3"/>
+            </a:solidFill>
+            <a:prstDash val="dash"/>
+            <a:round/>
+            <a:headEnd type="none" w="med" len="med"/>
+            <a:tailEnd type="none" w="med" len="med"/>
+          </a:ln>
+        </p:spPr>
+        <p:style>
+          <a:lnRef idx="0">
+            <a:scrgbClr r="0" g="0" b="0"/>
+          </a:lnRef>
+          <a:fillRef idx="0">
+            <a:scrgbClr r="0" g="0" b="0"/>
+          </a:fillRef>
+          <a:effectRef idx="0">
+            <a:scrgbClr r="0" g="0" b="0"/>
+          </a:effectRef>
+          <a:fontRef idx="minor">
+            <a:schemeClr val="tx1"/>
+          </a:fontRef>
+        </p:style>
+      </p:cxnSp>
+      <p:cxnSp>
+        <p:nvCxnSpPr>
+          <p:cNvPr id="7" name="直接连接符 6">
+            <a:extLst>
+              <a:ext uri="{FF2B5EF4-FFF2-40B4-BE49-F238E27FC236}">
+                <a16:creationId xmlns:a16="http://schemas.microsoft.com/office/drawing/2014/main" id="{2B5540B3-D15C-43A8-A813-D0C4D3D7E011}"/>
+              </a:ext>
+            </a:extLst>
+          </p:cNvPr>
+          <p:cNvCxnSpPr>
+            <a:cxnSpLocks/>
+          </p:cNvCxnSpPr>
+          <p:nvPr/>
+        </p:nvCxnSpPr>
+        <p:spPr>
+          <a:xfrm flipV="1">
+            <a:off x="1840813" y="3070847"/>
+            <a:ext cx="1091470" cy="18152"/>
+          </a:xfrm>
+          <a:prstGeom prst="line">
+            <a:avLst/>
+          </a:prstGeom>
+          <a:ln w="12700" cap="flat" cmpd="sng" algn="ctr">
+            <a:solidFill>
+              <a:schemeClr val="accent3"/>
+            </a:solidFill>
+            <a:prstDash val="dash"/>
+            <a:round/>
+            <a:headEnd type="none" w="med" len="med"/>
+            <a:tailEnd type="none" w="med" len="med"/>
+          </a:ln>
+        </p:spPr>
+        <p:style>
+          <a:lnRef idx="0">
+            <a:scrgbClr r="0" g="0" b="0"/>
+          </a:lnRef>
+          <a:fillRef idx="0">
+            <a:scrgbClr r="0" g="0" b="0"/>
+          </a:fillRef>
+          <a:effectRef idx="0">
+            <a:scrgbClr r="0" g="0" b="0"/>
+          </a:effectRef>
+          <a:fontRef idx="minor">
+            <a:schemeClr val="tx1"/>
+          </a:fontRef>
+        </p:style>
+      </p:cxnSp>
+      <p:cxnSp>
+        <p:nvCxnSpPr>
+          <p:cNvPr id="8" name="直接连接符 7">
+            <a:extLst>
+              <a:ext uri="{FF2B5EF4-FFF2-40B4-BE49-F238E27FC236}">
+                <a16:creationId xmlns:a16="http://schemas.microsoft.com/office/drawing/2014/main" id="{D10FD986-4144-4B64-83EB-5AE607E7235A}"/>
+              </a:ext>
+            </a:extLst>
+          </p:cNvPr>
+          <p:cNvCxnSpPr>
+            <a:cxnSpLocks/>
+          </p:cNvCxnSpPr>
+          <p:nvPr/>
+        </p:nvCxnSpPr>
+        <p:spPr>
+          <a:xfrm>
+            <a:off x="1844590" y="2856515"/>
+            <a:ext cx="1078253" cy="0"/>
+          </a:xfrm>
+          <a:prstGeom prst="line">
+            <a:avLst/>
+          </a:prstGeom>
+          <a:ln w="12700" cap="flat" cmpd="sng" algn="ctr">
+            <a:solidFill>
+              <a:schemeClr val="accent3"/>
+            </a:solidFill>
+            <a:prstDash val="dash"/>
+            <a:round/>
+            <a:headEnd type="none" w="med" len="med"/>
+            <a:tailEnd type="none" w="med" len="med"/>
+          </a:ln>
+        </p:spPr>
+        <p:style>
+          <a:lnRef idx="0">
+            <a:scrgbClr r="0" g="0" b="0"/>
+          </a:lnRef>
+          <a:fillRef idx="0">
+            <a:scrgbClr r="0" g="0" b="0"/>
+          </a:fillRef>
+          <a:effectRef idx="0">
+            <a:scrgbClr r="0" g="0" b="0"/>
+          </a:effectRef>
+          <a:fontRef idx="minor">
+            <a:schemeClr val="tx1"/>
+          </a:fontRef>
+        </p:style>
+      </p:cxnSp>
+      <p:cxnSp>
+        <p:nvCxnSpPr>
+          <p:cNvPr id="9" name="直接连接符 8">
+            <a:extLst>
+              <a:ext uri="{FF2B5EF4-FFF2-40B4-BE49-F238E27FC236}">
+                <a16:creationId xmlns:a16="http://schemas.microsoft.com/office/drawing/2014/main" id="{BAE42417-3ABF-4C97-B8E9-5B00D5A9B4C9}"/>
+              </a:ext>
+            </a:extLst>
+          </p:cNvPr>
+          <p:cNvCxnSpPr>
+            <a:cxnSpLocks/>
+            <a:endCxn id="19" idx="2"/>
+          </p:cNvCxnSpPr>
+          <p:nvPr/>
+        </p:nvCxnSpPr>
+        <p:spPr>
+          <a:xfrm>
+            <a:off x="1840813" y="2617864"/>
+            <a:ext cx="1082030" cy="0"/>
+          </a:xfrm>
+          <a:prstGeom prst="line">
+            <a:avLst/>
+          </a:prstGeom>
+          <a:ln w="12700" cap="flat" cmpd="sng" algn="ctr">
+            <a:solidFill>
+              <a:schemeClr val="accent3"/>
+            </a:solidFill>
+            <a:prstDash val="dash"/>
+            <a:round/>
+            <a:headEnd type="none" w="med" len="med"/>
+            <a:tailEnd type="none" w="med" len="med"/>
+          </a:ln>
+        </p:spPr>
+        <p:style>
+          <a:lnRef idx="0">
+            <a:scrgbClr r="0" g="0" b="0"/>
+          </a:lnRef>
+          <a:fillRef idx="0">
+            <a:scrgbClr r="0" g="0" b="0"/>
+          </a:fillRef>
+          <a:effectRef idx="0">
+            <a:scrgbClr r="0" g="0" b="0"/>
+          </a:effectRef>
+          <a:fontRef idx="minor">
+            <a:schemeClr val="tx1"/>
+          </a:fontRef>
+        </p:style>
+      </p:cxnSp>
+      <p:pic>
+        <p:nvPicPr>
+          <p:cNvPr id="10" name="图片 9">
+            <a:extLst>
+              <a:ext uri="{FF2B5EF4-FFF2-40B4-BE49-F238E27FC236}">
+                <a16:creationId xmlns:a16="http://schemas.microsoft.com/office/drawing/2014/main" id="{508F3E1A-E617-4802-B708-EC14431C548E}"/>
+              </a:ext>
+            </a:extLst>
+          </p:cNvPr>
+          <p:cNvPicPr>
+            <a:picLocks noChangeAspect="1"/>
+          </p:cNvPicPr>
+          <p:nvPr/>
+        </p:nvPicPr>
+        <p:blipFill>
+          <a:blip r:embed="rId2">
+            <a:extLst>
+              <a:ext uri="{28A0092B-C50C-407E-A947-70E740481C1C}">
+                <a14:useLocalDpi xmlns:a14="http://schemas.microsoft.com/office/drawing/2010/main" val="0"/>
+              </a:ext>
+            </a:extLst>
+          </a:blip>
+          <a:stretch>
+            <a:fillRect/>
+          </a:stretch>
+        </p:blipFill>
+        <p:spPr>
+          <a:xfrm>
+            <a:off x="988558" y="2249891"/>
+            <a:ext cx="426128" cy="426128"/>
+          </a:xfrm>
+          <a:prstGeom prst="rect">
+            <a:avLst/>
+          </a:prstGeom>
+        </p:spPr>
+      </p:pic>
+      <p:pic>
+        <p:nvPicPr>
+          <p:cNvPr id="11" name="图片 10">
+            <a:extLst>
+              <a:ext uri="{FF2B5EF4-FFF2-40B4-BE49-F238E27FC236}">
+                <a16:creationId xmlns:a16="http://schemas.microsoft.com/office/drawing/2014/main" id="{E7994592-B356-4B2A-9EB6-284AAA3B994D}"/>
+              </a:ext>
+            </a:extLst>
+          </p:cNvPr>
+          <p:cNvPicPr>
+            <a:picLocks noChangeAspect="1"/>
+          </p:cNvPicPr>
+          <p:nvPr/>
+        </p:nvPicPr>
+        <p:blipFill>
+          <a:blip r:embed="rId3">
+            <a:extLst>
+              <a:ext uri="{28A0092B-C50C-407E-A947-70E740481C1C}">
+                <a14:useLocalDpi xmlns:a14="http://schemas.microsoft.com/office/drawing/2010/main" val="0"/>
+              </a:ext>
+            </a:extLst>
+          </a:blip>
+          <a:stretch>
+            <a:fillRect/>
+          </a:stretch>
+        </p:blipFill>
+        <p:spPr>
+          <a:xfrm>
+            <a:off x="988558" y="1732822"/>
+            <a:ext cx="426128" cy="426128"/>
+          </a:xfrm>
+          <a:prstGeom prst="rect">
+            <a:avLst/>
+          </a:prstGeom>
+        </p:spPr>
+      </p:pic>
+      <p:pic>
+        <p:nvPicPr>
+          <p:cNvPr id="12" name="图片 11">
+            <a:extLst>
+              <a:ext uri="{FF2B5EF4-FFF2-40B4-BE49-F238E27FC236}">
+                <a16:creationId xmlns:a16="http://schemas.microsoft.com/office/drawing/2014/main" id="{AC11C954-0521-4BF3-8E3A-D6DA53293B41}"/>
+              </a:ext>
+            </a:extLst>
+          </p:cNvPr>
+          <p:cNvPicPr>
+            <a:picLocks noChangeAspect="1"/>
+          </p:cNvPicPr>
+          <p:nvPr/>
+        </p:nvPicPr>
+        <p:blipFill>
+          <a:blip r:embed="rId4">
+            <a:extLst>
+              <a:ext uri="{28A0092B-C50C-407E-A947-70E740481C1C}">
+                <a14:useLocalDpi xmlns:a14="http://schemas.microsoft.com/office/drawing/2010/main" val="0"/>
+              </a:ext>
+            </a:extLst>
+          </a:blip>
+          <a:stretch>
+            <a:fillRect/>
+          </a:stretch>
+        </p:blipFill>
+        <p:spPr>
+          <a:xfrm>
+            <a:off x="988558" y="3266048"/>
+            <a:ext cx="426128" cy="426128"/>
+          </a:xfrm>
+          <a:prstGeom prst="rect">
+            <a:avLst/>
+          </a:prstGeom>
+        </p:spPr>
+      </p:pic>
+      <p:pic>
+        <p:nvPicPr>
+          <p:cNvPr id="13" name="图片 12">
+            <a:extLst>
+              <a:ext uri="{FF2B5EF4-FFF2-40B4-BE49-F238E27FC236}">
+                <a16:creationId xmlns:a16="http://schemas.microsoft.com/office/drawing/2014/main" id="{DBA56C5B-7D5A-4639-99C6-AF47E6EC6A1C}"/>
+              </a:ext>
+            </a:extLst>
+          </p:cNvPr>
+          <p:cNvPicPr>
+            <a:picLocks noChangeAspect="1"/>
+          </p:cNvPicPr>
+          <p:nvPr/>
+        </p:nvPicPr>
+        <p:blipFill>
+          <a:blip r:embed="rId5">
+            <a:extLst>
+              <a:ext uri="{28A0092B-C50C-407E-A947-70E740481C1C}">
+                <a14:useLocalDpi xmlns:a14="http://schemas.microsoft.com/office/drawing/2010/main" val="0"/>
+              </a:ext>
+            </a:extLst>
+          </a:blip>
+          <a:stretch>
+            <a:fillRect/>
+          </a:stretch>
+        </p:blipFill>
+        <p:spPr>
+          <a:xfrm>
+            <a:off x="988558" y="2744484"/>
+            <a:ext cx="426128" cy="426128"/>
+          </a:xfrm>
+          <a:prstGeom prst="rect">
+            <a:avLst/>
+          </a:prstGeom>
+        </p:spPr>
+      </p:pic>
+      <p:cxnSp>
+        <p:nvCxnSpPr>
+          <p:cNvPr id="14" name="直接连接符 13">
+            <a:extLst>
+              <a:ext uri="{FF2B5EF4-FFF2-40B4-BE49-F238E27FC236}">
+                <a16:creationId xmlns:a16="http://schemas.microsoft.com/office/drawing/2014/main" id="{B4FA74ED-6212-4126-9586-51EE5DB9360E}"/>
+              </a:ext>
+            </a:extLst>
+          </p:cNvPr>
+          <p:cNvCxnSpPr>
+            <a:cxnSpLocks/>
+            <a:endCxn id="11" idx="3"/>
+          </p:cNvCxnSpPr>
+          <p:nvPr/>
+        </p:nvCxnSpPr>
+        <p:spPr>
+          <a:xfrm flipH="1" flipV="1">
+            <a:off x="1414686" y="1945886"/>
+            <a:ext cx="429905" cy="420587"/>
+          </a:xfrm>
+          <a:prstGeom prst="line">
+            <a:avLst/>
+          </a:prstGeom>
+          <a:ln w="12700" cap="flat" cmpd="sng" algn="ctr">
+            <a:solidFill>
+              <a:schemeClr val="accent3"/>
+            </a:solidFill>
+            <a:prstDash val="dash"/>
+            <a:round/>
+            <a:headEnd type="none" w="med" len="med"/>
+            <a:tailEnd type="none" w="med" len="med"/>
+          </a:ln>
+        </p:spPr>
+        <p:style>
+          <a:lnRef idx="0">
+            <a:scrgbClr r="0" g="0" b="0"/>
+          </a:lnRef>
+          <a:fillRef idx="0">
+            <a:scrgbClr r="0" g="0" b="0"/>
+          </a:fillRef>
+          <a:effectRef idx="0">
+            <a:scrgbClr r="0" g="0" b="0"/>
+          </a:effectRef>
+          <a:fontRef idx="minor">
+            <a:schemeClr val="tx1"/>
+          </a:fontRef>
+        </p:style>
+      </p:cxnSp>
+      <p:cxnSp>
+        <p:nvCxnSpPr>
+          <p:cNvPr id="15" name="直接连接符 14">
+            <a:extLst>
+              <a:ext uri="{FF2B5EF4-FFF2-40B4-BE49-F238E27FC236}">
+                <a16:creationId xmlns:a16="http://schemas.microsoft.com/office/drawing/2014/main" id="{10B0E017-5BAB-4B2D-A706-935B545A8495}"/>
+              </a:ext>
+            </a:extLst>
+          </p:cNvPr>
+          <p:cNvCxnSpPr>
+            <a:cxnSpLocks/>
+            <a:endCxn id="10" idx="3"/>
+          </p:cNvCxnSpPr>
+          <p:nvPr/>
+        </p:nvCxnSpPr>
+        <p:spPr>
+          <a:xfrm flipH="1" flipV="1">
+            <a:off x="1414686" y="2462956"/>
+            <a:ext cx="426127" cy="150078"/>
+          </a:xfrm>
+          <a:prstGeom prst="line">
+            <a:avLst/>
+          </a:prstGeom>
+          <a:ln w="12700" cap="flat" cmpd="sng" algn="ctr">
+            <a:solidFill>
+              <a:schemeClr val="accent3"/>
+            </a:solidFill>
+            <a:prstDash val="dash"/>
+            <a:round/>
+            <a:headEnd type="none" w="med" len="med"/>
+            <a:tailEnd type="none" w="med" len="med"/>
+          </a:ln>
+        </p:spPr>
+        <p:style>
+          <a:lnRef idx="0">
+            <a:scrgbClr r="0" g="0" b="0"/>
+          </a:lnRef>
+          <a:fillRef idx="0">
+            <a:scrgbClr r="0" g="0" b="0"/>
+          </a:fillRef>
+          <a:effectRef idx="0">
+            <a:scrgbClr r="0" g="0" b="0"/>
+          </a:effectRef>
+          <a:fontRef idx="minor">
+            <a:schemeClr val="tx1"/>
+          </a:fontRef>
+        </p:style>
+      </p:cxnSp>
+      <p:cxnSp>
+        <p:nvCxnSpPr>
+          <p:cNvPr id="16" name="直接连接符 15">
+            <a:extLst>
+              <a:ext uri="{FF2B5EF4-FFF2-40B4-BE49-F238E27FC236}">
+                <a16:creationId xmlns:a16="http://schemas.microsoft.com/office/drawing/2014/main" id="{B58DDF23-2427-40AB-9AB2-2FA9AF8AB93F}"/>
+              </a:ext>
+            </a:extLst>
+          </p:cNvPr>
+          <p:cNvCxnSpPr>
+            <a:cxnSpLocks/>
+            <a:endCxn id="13" idx="3"/>
+          </p:cNvCxnSpPr>
+          <p:nvPr/>
+        </p:nvCxnSpPr>
+        <p:spPr>
+          <a:xfrm flipH="1">
+            <a:off x="1414686" y="2856515"/>
+            <a:ext cx="426128" cy="101033"/>
+          </a:xfrm>
+          <a:prstGeom prst="line">
+            <a:avLst/>
+          </a:prstGeom>
+          <a:ln w="12700" cap="flat" cmpd="sng" algn="ctr">
+            <a:solidFill>
+              <a:schemeClr val="accent3"/>
+            </a:solidFill>
+            <a:prstDash val="dash"/>
+            <a:round/>
+            <a:headEnd type="none" w="med" len="med"/>
+            <a:tailEnd type="none" w="med" len="med"/>
+          </a:ln>
+        </p:spPr>
+        <p:style>
+          <a:lnRef idx="0">
+            <a:scrgbClr r="0" g="0" b="0"/>
+          </a:lnRef>
+          <a:fillRef idx="0">
+            <a:scrgbClr r="0" g="0" b="0"/>
+          </a:fillRef>
+          <a:effectRef idx="0">
+            <a:scrgbClr r="0" g="0" b="0"/>
+          </a:effectRef>
+          <a:fontRef idx="minor">
+            <a:schemeClr val="tx1"/>
+          </a:fontRef>
+        </p:style>
+      </p:cxnSp>
+      <p:cxnSp>
+        <p:nvCxnSpPr>
+          <p:cNvPr id="17" name="直接连接符 16">
+            <a:extLst>
+              <a:ext uri="{FF2B5EF4-FFF2-40B4-BE49-F238E27FC236}">
+                <a16:creationId xmlns:a16="http://schemas.microsoft.com/office/drawing/2014/main" id="{A8E9DD9A-823F-4CD0-B00A-5C2C9E0E90D6}"/>
+              </a:ext>
+            </a:extLst>
+          </p:cNvPr>
+          <p:cNvCxnSpPr>
+            <a:cxnSpLocks/>
+            <a:endCxn id="12" idx="3"/>
+          </p:cNvCxnSpPr>
+          <p:nvPr/>
+        </p:nvCxnSpPr>
+        <p:spPr>
+          <a:xfrm flipH="1">
+            <a:off x="1414686" y="3088998"/>
+            <a:ext cx="429905" cy="390113"/>
+          </a:xfrm>
+          <a:prstGeom prst="line">
+            <a:avLst/>
+          </a:prstGeom>
+          <a:ln w="12700" cap="flat" cmpd="sng" algn="ctr">
+            <a:solidFill>
+              <a:schemeClr val="accent3"/>
+            </a:solidFill>
+            <a:prstDash val="dash"/>
+            <a:round/>
+            <a:headEnd type="none" w="med" len="med"/>
+            <a:tailEnd type="none" w="med" len="med"/>
+          </a:ln>
+        </p:spPr>
+        <p:style>
+          <a:lnRef idx="0">
+            <a:scrgbClr r="0" g="0" b="0"/>
+          </a:lnRef>
+          <a:fillRef idx="0">
+            <a:scrgbClr r="0" g="0" b="0"/>
+          </a:fillRef>
+          <a:effectRef idx="0">
+            <a:scrgbClr r="0" g="0" b="0"/>
+          </a:effectRef>
+          <a:fontRef idx="minor">
+            <a:schemeClr val="tx1"/>
+          </a:fontRef>
+        </p:style>
+      </p:cxnSp>
+      <p:sp>
+        <p:nvSpPr>
+          <p:cNvPr id="18" name="椭圆 17">
+            <a:extLst>
+              <a:ext uri="{FF2B5EF4-FFF2-40B4-BE49-F238E27FC236}">
+                <a16:creationId xmlns:a16="http://schemas.microsoft.com/office/drawing/2014/main" id="{6438F705-A825-4E37-888D-4DAB7884C6D0}"/>
+              </a:ext>
+            </a:extLst>
+          </p:cNvPr>
+          <p:cNvSpPr>
+            <a:spLocks noChangeAspect="1"/>
+          </p:cNvSpPr>
+          <p:nvPr/>
+        </p:nvSpPr>
+        <p:spPr>
+          <a:xfrm>
+            <a:off x="2922843" y="2349359"/>
+            <a:ext cx="92271" cy="92271"/>
+          </a:xfrm>
+          <a:prstGeom prst="ellipse">
+            <a:avLst/>
+          </a:prstGeom>
+          <a:solidFill>
+            <a:srgbClr val="FFC000"/>
+          </a:solidFill>
+          <a:ln w="25400">
+            <a:solidFill>
+              <a:schemeClr val="bg1"/>
+            </a:solidFill>
+          </a:ln>
+        </p:spPr>
+        <p:style>
+          <a:lnRef idx="2">
+            <a:schemeClr val="accent1">
+              <a:shade val="50000"/>
+            </a:schemeClr>
+          </a:lnRef>
+          <a:fillRef idx="1">
+            <a:schemeClr val="accent1"/>
+          </a:fillRef>
+          <a:effectRef idx="0">
+            <a:schemeClr val="accent1"/>
+          </a:effectRef>
+          <a:fontRef idx="minor">
+            <a:schemeClr val="lt1"/>
+          </a:fontRef>
+        </p:style>
+        <p:txBody>
+          <a:bodyPr rtlCol="0" anchor="ctr"/>
+          <a:lstStyle/>
+          <a:p>
+            <a:pPr algn="just"/>
+            <a:endParaRPr lang="en-US">
+              <a:cs typeface="+mn-ea"/>
+            </a:endParaRPr>
+          </a:p>
+        </p:txBody>
+      </p:sp>
+      <p:sp>
+        <p:nvSpPr>
+          <p:cNvPr id="19" name="椭圆 18">
+            <a:extLst>
+              <a:ext uri="{FF2B5EF4-FFF2-40B4-BE49-F238E27FC236}">
+                <a16:creationId xmlns:a16="http://schemas.microsoft.com/office/drawing/2014/main" id="{46912687-9C1A-4DEF-955D-6723C8B014BA}"/>
+              </a:ext>
+            </a:extLst>
+          </p:cNvPr>
+          <p:cNvSpPr>
+            <a:spLocks noChangeAspect="1"/>
+          </p:cNvSpPr>
+          <p:nvPr/>
+        </p:nvSpPr>
+        <p:spPr>
+          <a:xfrm>
+            <a:off x="2922843" y="2571728"/>
+            <a:ext cx="92271" cy="92271"/>
+          </a:xfrm>
+          <a:prstGeom prst="ellipse">
+            <a:avLst/>
+          </a:prstGeom>
+          <a:solidFill>
+            <a:srgbClr val="FFC000"/>
+          </a:solidFill>
+          <a:ln w="25400">
+            <a:solidFill>
+              <a:schemeClr val="bg1"/>
+            </a:solidFill>
+          </a:ln>
+        </p:spPr>
+        <p:style>
+          <a:lnRef idx="2">
+            <a:schemeClr val="accent1">
+              <a:shade val="50000"/>
+            </a:schemeClr>
+          </a:lnRef>
+          <a:fillRef idx="1">
+            <a:schemeClr val="accent1"/>
+          </a:fillRef>
+          <a:effectRef idx="0">
+            <a:schemeClr val="accent1"/>
+          </a:effectRef>
+          <a:fontRef idx="minor">
+            <a:schemeClr val="lt1"/>
+          </a:fontRef>
+        </p:style>
+        <p:txBody>
+          <a:bodyPr rtlCol="0" anchor="ctr"/>
+          <a:lstStyle/>
+          <a:p>
+            <a:pPr algn="just"/>
+            <a:endParaRPr lang="en-US">
+              <a:cs typeface="+mn-ea"/>
+            </a:endParaRPr>
+          </a:p>
+        </p:txBody>
+      </p:sp>
+      <p:sp>
+        <p:nvSpPr>
+          <p:cNvPr id="20" name="椭圆 19">
+            <a:extLst>
+              <a:ext uri="{FF2B5EF4-FFF2-40B4-BE49-F238E27FC236}">
+                <a16:creationId xmlns:a16="http://schemas.microsoft.com/office/drawing/2014/main" id="{DB27BBCE-6112-4715-BC18-3DC5F74C62C8}"/>
+              </a:ext>
+            </a:extLst>
+          </p:cNvPr>
+          <p:cNvSpPr>
+            <a:spLocks noChangeAspect="1"/>
+          </p:cNvSpPr>
+          <p:nvPr/>
+        </p:nvSpPr>
+        <p:spPr>
+          <a:xfrm>
+            <a:off x="2922843" y="2805587"/>
+            <a:ext cx="92271" cy="92271"/>
+          </a:xfrm>
+          <a:prstGeom prst="ellipse">
+            <a:avLst/>
+          </a:prstGeom>
+          <a:solidFill>
+            <a:srgbClr val="FFC000"/>
+          </a:solidFill>
+          <a:ln w="25400">
+            <a:solidFill>
+              <a:schemeClr val="bg1"/>
+            </a:solidFill>
+          </a:ln>
+        </p:spPr>
+        <p:style>
+          <a:lnRef idx="2">
+            <a:schemeClr val="accent1">
+              <a:shade val="50000"/>
+            </a:schemeClr>
+          </a:lnRef>
+          <a:fillRef idx="1">
+            <a:schemeClr val="accent1"/>
+          </a:fillRef>
+          <a:effectRef idx="0">
+            <a:schemeClr val="accent1"/>
+          </a:effectRef>
+          <a:fontRef idx="minor">
+            <a:schemeClr val="lt1"/>
+          </a:fontRef>
+        </p:style>
+        <p:txBody>
+          <a:bodyPr rtlCol="0" anchor="ctr"/>
+          <a:lstStyle/>
+          <a:p>
+            <a:pPr algn="just"/>
+            <a:endParaRPr lang="en-US">
+              <a:cs typeface="+mn-ea"/>
+            </a:endParaRPr>
+          </a:p>
+        </p:txBody>
+      </p:sp>
+      <p:sp>
+        <p:nvSpPr>
+          <p:cNvPr id="21" name="椭圆 20">
+            <a:extLst>
+              <a:ext uri="{FF2B5EF4-FFF2-40B4-BE49-F238E27FC236}">
+                <a16:creationId xmlns:a16="http://schemas.microsoft.com/office/drawing/2014/main" id="{E7B7F82F-A5F5-4FD8-9EBD-7BF5A8F58B01}"/>
+              </a:ext>
+            </a:extLst>
+          </p:cNvPr>
+          <p:cNvSpPr>
+            <a:spLocks noChangeAspect="1"/>
+          </p:cNvSpPr>
+          <p:nvPr/>
+        </p:nvSpPr>
+        <p:spPr>
+          <a:xfrm>
+            <a:off x="2922843" y="3020608"/>
+            <a:ext cx="92271" cy="92271"/>
+          </a:xfrm>
+          <a:prstGeom prst="ellipse">
+            <a:avLst/>
+          </a:prstGeom>
+          <a:solidFill>
+            <a:srgbClr val="FFC000"/>
+          </a:solidFill>
+          <a:ln w="25400">
+            <a:solidFill>
+              <a:schemeClr val="bg1"/>
+            </a:solidFill>
+          </a:ln>
+        </p:spPr>
+        <p:style>
+          <a:lnRef idx="2">
+            <a:schemeClr val="accent1">
+              <a:shade val="50000"/>
+            </a:schemeClr>
+          </a:lnRef>
+          <a:fillRef idx="1">
+            <a:schemeClr val="accent1"/>
+          </a:fillRef>
+          <a:effectRef idx="0">
+            <a:schemeClr val="accent1"/>
+          </a:effectRef>
+          <a:fontRef idx="minor">
+            <a:schemeClr val="lt1"/>
+          </a:fontRef>
+        </p:style>
+        <p:txBody>
+          <a:bodyPr rtlCol="0" anchor="ctr"/>
+          <a:lstStyle/>
+          <a:p>
+            <a:pPr algn="just"/>
+            <a:endParaRPr lang="en-US">
+              <a:cs typeface="+mn-ea"/>
+            </a:endParaRPr>
+          </a:p>
+        </p:txBody>
+      </p:sp>
+      <p:cxnSp>
+        <p:nvCxnSpPr>
+          <p:cNvPr id="40" name="直接连接符 39">
+            <a:extLst>
+              <a:ext uri="{FF2B5EF4-FFF2-40B4-BE49-F238E27FC236}">
+                <a16:creationId xmlns:a16="http://schemas.microsoft.com/office/drawing/2014/main" id="{0A0A84F9-8F5F-4C98-A54A-5910BA224056}"/>
+              </a:ext>
+            </a:extLst>
+          </p:cNvPr>
+          <p:cNvCxnSpPr>
+            <a:cxnSpLocks/>
+          </p:cNvCxnSpPr>
+          <p:nvPr/>
+        </p:nvCxnSpPr>
+        <p:spPr>
+          <a:xfrm flipV="1">
+            <a:off x="5523176" y="1038423"/>
+            <a:ext cx="1301157" cy="1"/>
+          </a:xfrm>
+          <a:prstGeom prst="line">
+            <a:avLst/>
+          </a:prstGeom>
+          <a:ln w="19050">
+            <a:solidFill>
+              <a:schemeClr val="bg1">
+                <a:lumMod val="50000"/>
+              </a:schemeClr>
+            </a:solidFill>
+            <a:prstDash val="solid"/>
+          </a:ln>
+        </p:spPr>
+        <p:style>
+          <a:lnRef idx="1">
+            <a:schemeClr val="accent1"/>
+          </a:lnRef>
+          <a:fillRef idx="0">
+            <a:schemeClr val="accent1"/>
+          </a:fillRef>
+          <a:effectRef idx="0">
+            <a:schemeClr val="accent1"/>
+          </a:effectRef>
+          <a:fontRef idx="minor">
+            <a:schemeClr val="tx1"/>
+          </a:fontRef>
+        </p:style>
+      </p:cxnSp>
+      <p:sp>
+        <p:nvSpPr>
+          <p:cNvPr id="41" name="文本框 40">
+            <a:extLst>
+              <a:ext uri="{FF2B5EF4-FFF2-40B4-BE49-F238E27FC236}">
+                <a16:creationId xmlns:a16="http://schemas.microsoft.com/office/drawing/2014/main" id="{F04C170B-8A4B-4F2E-B63F-8EA3EB0A7C6C}"/>
+              </a:ext>
+            </a:extLst>
+          </p:cNvPr>
+          <p:cNvSpPr txBox="1"/>
+          <p:nvPr/>
+        </p:nvSpPr>
+        <p:spPr>
+          <a:xfrm>
+            <a:off x="5447199" y="605409"/>
+            <a:ext cx="1511385" cy="433014"/>
+          </a:xfrm>
+          <a:prstGeom prst="rect">
+            <a:avLst/>
+          </a:prstGeom>
+          <a:noFill/>
+        </p:spPr>
+        <p:txBody>
+          <a:bodyPr wrap="none" rtlCol="0">
+            <a:spAutoFit/>
+          </a:bodyPr>
+          <a:lstStyle/>
+          <a:p>
+            <a:pPr algn="just"/>
+            <a:r>
+              <a:rPr lang="en-US" sz="2000">
+                <a:solidFill>
+                  <a:schemeClr val="bg1">
+                    <a:lumMod val="50000"/>
+                  </a:schemeClr>
+                </a:solidFill>
+                <a:latin typeface="Bahnschrift SemiBold Condensed" panose="020B0502040204020203" pitchFamily="34" charset="0"/>
+                <a:cs typeface="Aharoni" panose="02010803020104030203" pitchFamily="2" charset="-79"/>
+              </a:rPr>
+              <a:t>ADXL 357 CHIP </a:t>
+            </a:r>
+            <a:endParaRPr lang="en-US" sz="2000" dirty="0">
+              <a:solidFill>
+                <a:schemeClr val="bg1">
+                  <a:lumMod val="50000"/>
+                </a:schemeClr>
+              </a:solidFill>
+              <a:latin typeface="Bahnschrift SemiBold Condensed" panose="020B0502040204020203" pitchFamily="34" charset="0"/>
+              <a:cs typeface="Aharoni" panose="02010803020104030203" pitchFamily="2" charset="-79"/>
+            </a:endParaRPr>
+          </a:p>
+        </p:txBody>
+      </p:sp>
+      <p:sp>
+        <p:nvSpPr>
+          <p:cNvPr id="42" name="椭圆 41">
+            <a:extLst>
+              <a:ext uri="{FF2B5EF4-FFF2-40B4-BE49-F238E27FC236}">
+                <a16:creationId xmlns:a16="http://schemas.microsoft.com/office/drawing/2014/main" id="{8DB81124-22A5-4B04-8844-F5981EBB5B02}"/>
+              </a:ext>
+            </a:extLst>
+          </p:cNvPr>
+          <p:cNvSpPr>
+            <a:spLocks noChangeAspect="1"/>
+          </p:cNvSpPr>
+          <p:nvPr/>
+        </p:nvSpPr>
+        <p:spPr>
+          <a:xfrm>
+            <a:off x="4835935" y="2431797"/>
+            <a:ext cx="111605" cy="111605"/>
+          </a:xfrm>
+          <a:prstGeom prst="ellipse">
+            <a:avLst/>
+          </a:prstGeom>
+          <a:solidFill>
+            <a:srgbClr val="FFC000"/>
+          </a:solidFill>
+          <a:ln w="25400">
+            <a:solidFill>
+              <a:schemeClr val="bg1"/>
+            </a:solidFill>
+          </a:ln>
+        </p:spPr>
+        <p:style>
+          <a:lnRef idx="2">
+            <a:schemeClr val="accent1">
+              <a:shade val="50000"/>
+            </a:schemeClr>
+          </a:lnRef>
+          <a:fillRef idx="1">
+            <a:schemeClr val="accent1"/>
+          </a:fillRef>
+          <a:effectRef idx="0">
+            <a:schemeClr val="accent1"/>
+          </a:effectRef>
+          <a:fontRef idx="minor">
+            <a:schemeClr val="lt1"/>
+          </a:fontRef>
+        </p:style>
+        <p:txBody>
+          <a:bodyPr rtlCol="0" anchor="ctr"/>
+          <a:lstStyle/>
+          <a:p>
+            <a:pPr algn="just"/>
+            <a:endParaRPr lang="en-US">
+              <a:cs typeface="+mn-ea"/>
+            </a:endParaRPr>
+          </a:p>
+        </p:txBody>
+      </p:sp>
+      <p:cxnSp>
+        <p:nvCxnSpPr>
+          <p:cNvPr id="43" name="直接连接符 42">
+            <a:extLst>
+              <a:ext uri="{FF2B5EF4-FFF2-40B4-BE49-F238E27FC236}">
+                <a16:creationId xmlns:a16="http://schemas.microsoft.com/office/drawing/2014/main" id="{4FBD39A7-92DE-446B-8638-0F3EDA996863}"/>
+              </a:ext>
+            </a:extLst>
+          </p:cNvPr>
+          <p:cNvCxnSpPr>
+            <a:cxnSpLocks/>
+          </p:cNvCxnSpPr>
+          <p:nvPr/>
+        </p:nvCxnSpPr>
+        <p:spPr>
+          <a:xfrm flipV="1">
+            <a:off x="4935339" y="1038425"/>
+            <a:ext cx="587837" cy="1414423"/>
+          </a:xfrm>
+          <a:prstGeom prst="line">
+            <a:avLst/>
+          </a:prstGeom>
+          <a:ln w="19050">
+            <a:solidFill>
+              <a:schemeClr val="bg1">
+                <a:lumMod val="50000"/>
+              </a:schemeClr>
+            </a:solidFill>
+            <a:prstDash val="dash"/>
+          </a:ln>
+        </p:spPr>
+        <p:style>
+          <a:lnRef idx="1">
+            <a:schemeClr val="accent1"/>
+          </a:lnRef>
+          <a:fillRef idx="0">
+            <a:schemeClr val="accent1"/>
+          </a:fillRef>
+          <a:effectRef idx="0">
+            <a:schemeClr val="accent1"/>
+          </a:effectRef>
+          <a:fontRef idx="minor">
+            <a:schemeClr val="tx1"/>
+          </a:fontRef>
+        </p:style>
+      </p:cxnSp>
+      <p:sp>
+        <p:nvSpPr>
+          <p:cNvPr id="2" name="文本框 1">
+            <a:extLst>
+              <a:ext uri="{FF2B5EF4-FFF2-40B4-BE49-F238E27FC236}">
+                <a16:creationId xmlns:a16="http://schemas.microsoft.com/office/drawing/2014/main" id="{6224ED1C-8711-4E28-BB2E-78D54BEBA8C8}"/>
+              </a:ext>
+            </a:extLst>
+          </p:cNvPr>
+          <p:cNvSpPr txBox="1"/>
+          <p:nvPr/>
+        </p:nvSpPr>
+        <p:spPr>
+          <a:xfrm>
+            <a:off x="7201214" y="2183413"/>
+            <a:ext cx="4112472" cy="705642"/>
+          </a:xfrm>
+          <a:prstGeom prst="rect">
+            <a:avLst/>
+          </a:prstGeom>
+          <a:noFill/>
+        </p:spPr>
+        <p:txBody>
+          <a:bodyPr wrap="none" rtlCol="0">
+            <a:spAutoFit/>
+          </a:bodyPr>
+          <a:lstStyle/>
+          <a:p>
+            <a:pPr algn="just">
+              <a:lnSpc>
+                <a:spcPts val="2500"/>
+              </a:lnSpc>
+            </a:pPr>
+            <a:r>
+              <a:rPr lang="en-US" b="1">
                 <a:solidFill>
                   <a:schemeClr val="accent1"/>
                 </a:solidFill>
@@ -3414,12 +4686,12 @@
               <a:t>VCC</a:t>
             </a:r>
             <a:r>
-              <a:rPr lang="en-US" sz="1600" dirty="0">
+              <a:rPr lang="en-US">
                 <a:latin typeface="Leelawadee UI" panose="020B0502040204020203" pitchFamily="34" charset="-34"/>
                 <a:ea typeface="Microsoft JhengHei Light" panose="020B0304030504040204" pitchFamily="34" charset="-120"/>
                 <a:cs typeface="Leelawadee UI" panose="020B0502040204020203" pitchFamily="34" charset="-34"/>
               </a:rPr>
-              <a:t>: you can use 5V or 3.3V for this module</a:t>
+              <a:t>: </a:t>
             </a:r>
           </a:p>
           <a:p>
@@ -3429,7 +4701,51 @@
               </a:lnSpc>
             </a:pPr>
             <a:r>
-              <a:rPr lang="en-US" sz="1600" b="1">
+              <a:rPr lang="en-US">
+                <a:latin typeface="Leelawadee UI" panose="020B0502040204020203" pitchFamily="34" charset="-34"/>
+                <a:ea typeface="Microsoft JhengHei Light" panose="020B0304030504040204" pitchFamily="34" charset="-120"/>
+                <a:cs typeface="Leelawadee UI" panose="020B0502040204020203" pitchFamily="34" charset="-34"/>
+              </a:rPr>
+              <a:t>you can use 5V or 3.3V for this module</a:t>
+            </a:r>
+          </a:p>
+        </p:txBody>
+      </p:sp>
+      <p:sp>
+        <p:nvSpPr>
+          <p:cNvPr id="30" name="文本框 29">
+            <a:extLst>
+              <a:ext uri="{FF2B5EF4-FFF2-40B4-BE49-F238E27FC236}">
+                <a16:creationId xmlns:a16="http://schemas.microsoft.com/office/drawing/2014/main" id="{AD96E19F-EDCC-4D31-96ED-8CB7882ED489}"/>
+              </a:ext>
+            </a:extLst>
+          </p:cNvPr>
+          <p:cNvSpPr txBox="1"/>
+          <p:nvPr/>
+        </p:nvSpPr>
+        <p:spPr>
+          <a:xfrm>
+            <a:off x="7198000" y="2946881"/>
+            <a:ext cx="1697901" cy="705642"/>
+          </a:xfrm>
+          <a:prstGeom prst="rect">
+            <a:avLst/>
+          </a:prstGeom>
+          <a:noFill/>
+        </p:spPr>
+        <p:txBody>
+          <a:bodyPr wrap="none" rtlCol="0">
+            <a:spAutoFit/>
+          </a:bodyPr>
+          <a:lstStyle/>
+          <a:p>
+            <a:pPr algn="just">
+              <a:lnSpc>
+                <a:spcPts val="2500"/>
+              </a:lnSpc>
+            </a:pPr>
+            <a:r>
+              <a:rPr lang="en-US" b="1">
                 <a:solidFill>
                   <a:schemeClr val="accent1"/>
                 </a:solidFill>
@@ -3440,15 +4756,30 @@
               <a:t>SDA</a:t>
             </a:r>
             <a:r>
-              <a:rPr lang="en-US" sz="1600">
+              <a:rPr lang="en-US">
                 <a:latin typeface="Leelawadee UI" panose="020B0502040204020203" pitchFamily="34" charset="-34"/>
                 <a:ea typeface="Microsoft JhengHei Light" panose="020B0304030504040204" pitchFamily="34" charset="-120"/>
                 <a:cs typeface="Leelawadee UI" panose="020B0502040204020203" pitchFamily="34" charset="-34"/>
               </a:rPr>
-              <a:t>: I</a:t>
-            </a:r>
-            <a:r>
-              <a:rPr lang="en-US" sz="1600" baseline="30000">
+              <a:t>:</a:t>
+            </a:r>
+          </a:p>
+          <a:p>
+            <a:pPr algn="just">
+              <a:lnSpc>
+                <a:spcPts val="2500"/>
+              </a:lnSpc>
+            </a:pPr>
+            <a:r>
+              <a:rPr lang="en-US">
+                <a:latin typeface="Leelawadee UI" panose="020B0502040204020203" pitchFamily="34" charset="-34"/>
+                <a:ea typeface="Microsoft JhengHei Light" panose="020B0304030504040204" pitchFamily="34" charset="-120"/>
+                <a:cs typeface="Leelawadee UI" panose="020B0502040204020203" pitchFamily="34" charset="-34"/>
+              </a:rPr>
+              <a:t> I</a:t>
+            </a:r>
+            <a:r>
+              <a:rPr lang="en-US" baseline="30000">
                 <a:latin typeface="Leelawadee UI" panose="020B0502040204020203" pitchFamily="34" charset="-34"/>
                 <a:ea typeface="Microsoft JhengHei Light" panose="020B0304030504040204" pitchFamily="34" charset="-120"/>
                 <a:cs typeface="Leelawadee UI" panose="020B0502040204020203" pitchFamily="34" charset="-34"/>
@@ -3456,7 +4787,7 @@
               <a:t>2</a:t>
             </a:r>
             <a:r>
-              <a:rPr lang="en-US" sz="1600">
+              <a:rPr lang="en-US">
                 <a:latin typeface="Leelawadee UI" panose="020B0502040204020203" pitchFamily="34" charset="-34"/>
                 <a:ea typeface="Microsoft JhengHei Light" panose="020B0304030504040204" pitchFamily="34" charset="-120"/>
                 <a:cs typeface="Leelawadee UI" panose="020B0502040204020203" pitchFamily="34" charset="-34"/>
@@ -3464,19 +4795,48 @@
               <a:t>C serial data</a:t>
             </a:r>
             <a:r>
-              <a:rPr lang="en-US" altLang="zh-CN" sz="1600">
+              <a:rPr lang="en-US" altLang="zh-CN">
                 <a:latin typeface="Leelawadee UI" panose="020B0502040204020203" pitchFamily="34" charset="-34"/>
                 <a:ea typeface="Microsoft JhengHei Light" panose="020B0304030504040204" pitchFamily="34" charset="-120"/>
                 <a:cs typeface="Leelawadee UI" panose="020B0502040204020203" pitchFamily="34" charset="-34"/>
               </a:rPr>
               <a:t> </a:t>
             </a:r>
-            <a:endParaRPr lang="en-US" sz="1600" dirty="0">
+            <a:endParaRPr lang="en-US">
               <a:latin typeface="Leelawadee UI" panose="020B0502040204020203" pitchFamily="34" charset="-34"/>
               <a:ea typeface="Microsoft JhengHei Light" panose="020B0304030504040204" pitchFamily="34" charset="-120"/>
               <a:cs typeface="Leelawadee UI" panose="020B0502040204020203" pitchFamily="34" charset="-34"/>
             </a:endParaRPr>
           </a:p>
+        </p:txBody>
+      </p:sp>
+      <p:sp>
+        <p:nvSpPr>
+          <p:cNvPr id="4" name="文本框 3">
+            <a:extLst>
+              <a:ext uri="{FF2B5EF4-FFF2-40B4-BE49-F238E27FC236}">
+                <a16:creationId xmlns:a16="http://schemas.microsoft.com/office/drawing/2014/main" id="{8D11F2E5-7BB2-4771-A9B9-68DCEB204DB9}"/>
+              </a:ext>
+            </a:extLst>
+          </p:cNvPr>
+          <p:cNvSpPr txBox="1"/>
+          <p:nvPr/>
+        </p:nvSpPr>
+        <p:spPr>
+          <a:xfrm>
+            <a:off x="7207144" y="3700349"/>
+            <a:ext cx="1707519" cy="705642"/>
+          </a:xfrm>
+          <a:prstGeom prst="rect">
+            <a:avLst/>
+          </a:prstGeom>
+          <a:noFill/>
+        </p:spPr>
+        <p:txBody>
+          <a:bodyPr wrap="none" rtlCol="0">
+            <a:spAutoFit/>
+          </a:bodyPr>
+          <a:lstStyle/>
           <a:p>
             <a:pPr algn="just">
               <a:lnSpc>
@@ -3484,7 +4844,7 @@
               </a:lnSpc>
             </a:pPr>
             <a:r>
-              <a:rPr lang="en-US" sz="1600" b="1">
+              <a:rPr lang="en-US" b="1">
                 <a:solidFill>
                   <a:schemeClr val="accent1"/>
                 </a:solidFill>
@@ -3495,15 +4855,30 @@
               <a:t>SCL</a:t>
             </a:r>
             <a:r>
-              <a:rPr lang="en-US" sz="1600">
+              <a:rPr lang="en-US">
                 <a:latin typeface="Leelawadee UI" panose="020B0502040204020203" pitchFamily="34" charset="-34"/>
                 <a:ea typeface="Microsoft JhengHei Light" panose="020B0304030504040204" pitchFamily="34" charset="-120"/>
                 <a:cs typeface="Leelawadee UI" panose="020B0502040204020203" pitchFamily="34" charset="-34"/>
               </a:rPr>
-              <a:t>: I</a:t>
-            </a:r>
-            <a:r>
-              <a:rPr lang="en-US" sz="1600" baseline="30000">
+              <a:t>:</a:t>
+            </a:r>
+          </a:p>
+          <a:p>
+            <a:pPr algn="just">
+              <a:lnSpc>
+                <a:spcPts val="2500"/>
+              </a:lnSpc>
+            </a:pPr>
+            <a:r>
+              <a:rPr lang="en-US">
+                <a:latin typeface="Leelawadee UI" panose="020B0502040204020203" pitchFamily="34" charset="-34"/>
+                <a:ea typeface="Microsoft JhengHei Light" panose="020B0304030504040204" pitchFamily="34" charset="-120"/>
+                <a:cs typeface="Leelawadee UI" panose="020B0502040204020203" pitchFamily="34" charset="-34"/>
+              </a:rPr>
+              <a:t> I</a:t>
+            </a:r>
+            <a:r>
+              <a:rPr lang="en-US" baseline="30000">
                 <a:latin typeface="Leelawadee UI" panose="020B0502040204020203" pitchFamily="34" charset="-34"/>
                 <a:ea typeface="Microsoft JhengHei Light" panose="020B0304030504040204" pitchFamily="34" charset="-120"/>
                 <a:cs typeface="Leelawadee UI" panose="020B0502040204020203" pitchFamily="34" charset="-34"/>
@@ -3511,7 +4886,7 @@
               <a:t>2</a:t>
             </a:r>
             <a:r>
-              <a:rPr lang="en-US" sz="1600">
+              <a:rPr lang="en-US">
                 <a:latin typeface="Leelawadee UI" panose="020B0502040204020203" pitchFamily="34" charset="-34"/>
                 <a:ea typeface="Microsoft JhengHei Light" panose="020B0304030504040204" pitchFamily="34" charset="-120"/>
                 <a:cs typeface="Leelawadee UI" panose="020B0502040204020203" pitchFamily="34" charset="-34"/>
@@ -3519,1211 +4894,21 @@
               <a:t>C serial </a:t>
             </a:r>
             <a:r>
-              <a:rPr lang="en-US" altLang="zh-CN" sz="1600">
+              <a:rPr lang="en-US" altLang="zh-CN">
                 <a:latin typeface="Leelawadee UI" panose="020B0502040204020203" pitchFamily="34" charset="-34"/>
                 <a:ea typeface="Microsoft JhengHei Light" panose="020B0304030504040204" pitchFamily="34" charset="-120"/>
                 <a:cs typeface="Leelawadee UI" panose="020B0502040204020203" pitchFamily="34" charset="-34"/>
               </a:rPr>
               <a:t>clock</a:t>
             </a:r>
-            <a:endParaRPr lang="en-US" sz="1600" dirty="0">
+            <a:endParaRPr lang="en-US">
               <a:latin typeface="Leelawadee UI" panose="020B0502040204020203" pitchFamily="34" charset="-34"/>
               <a:ea typeface="Microsoft JhengHei Light" panose="020B0304030504040204" pitchFamily="34" charset="-120"/>
               <a:cs typeface="Leelawadee UI" panose="020B0502040204020203" pitchFamily="34" charset="-34"/>
             </a:endParaRPr>
           </a:p>
-          <a:p>
-            <a:pPr algn="just"/>
-            <a:endParaRPr lang="en-US" sz="1200" dirty="0">
-              <a:solidFill>
-                <a:srgbClr val="D4D4D4"/>
-              </a:solidFill>
-              <a:latin typeface="Consolas" panose="020B0609020204030204" pitchFamily="49" charset="0"/>
-            </a:endParaRPr>
-          </a:p>
-          <a:p>
-            <a:pPr algn="just"/>
-            <a:endParaRPr lang="en-US" sz="1200" dirty="0">
-              <a:latin typeface="Times New Roman" panose="02020603050405020304" pitchFamily="18" charset="0"/>
-              <a:cs typeface="Times New Roman" panose="02020603050405020304" pitchFamily="18" charset="0"/>
-            </a:endParaRPr>
-          </a:p>
-          <a:p>
-            <a:pPr algn="just"/>
-            <a:endParaRPr lang="en-US" sz="1200" dirty="0">
-              <a:latin typeface="Times New Roman" panose="02020603050405020304" pitchFamily="18" charset="0"/>
-              <a:cs typeface="Times New Roman" panose="02020603050405020304" pitchFamily="18" charset="0"/>
-            </a:endParaRPr>
-          </a:p>
-          <a:p>
-            <a:pPr algn="just"/>
-            <a:endParaRPr lang="en-US" dirty="0"/>
-          </a:p>
-        </p:txBody>
-      </p:sp>
-      <p:pic>
-        <p:nvPicPr>
-          <p:cNvPr id="23" name="图片 22">
-            <a:extLst>
-              <a:ext uri="{FF2B5EF4-FFF2-40B4-BE49-F238E27FC236}">
-                <a16:creationId xmlns:a16="http://schemas.microsoft.com/office/drawing/2014/main" id="{414AE8AF-CBE4-4BFD-AFAF-07DC5B52EFCC}"/>
-              </a:ext>
-            </a:extLst>
-          </p:cNvPr>
-          <p:cNvPicPr>
-            <a:picLocks noChangeAspect="1"/>
-          </p:cNvPicPr>
-          <p:nvPr/>
-        </p:nvPicPr>
-        <p:blipFill>
-          <a:blip r:embed="rId2">
-            <a:extLst>
-              <a:ext uri="{28A0092B-C50C-407E-A947-70E740481C1C}">
-                <a14:useLocalDpi xmlns:a14="http://schemas.microsoft.com/office/drawing/2010/main" val="0"/>
-              </a:ext>
-            </a:extLst>
-          </a:blip>
-          <a:stretch>
-            <a:fillRect/>
-          </a:stretch>
-        </p:blipFill>
-        <p:spPr>
-          <a:xfrm>
-            <a:off x="3819743" y="4958288"/>
-            <a:ext cx="266700" cy="266700"/>
-          </a:xfrm>
-          <a:prstGeom prst="rect">
-            <a:avLst/>
-          </a:prstGeom>
-        </p:spPr>
-      </p:pic>
-      <p:pic>
-        <p:nvPicPr>
-          <p:cNvPr id="24" name="图片 23">
-            <a:extLst>
-              <a:ext uri="{FF2B5EF4-FFF2-40B4-BE49-F238E27FC236}">
-                <a16:creationId xmlns:a16="http://schemas.microsoft.com/office/drawing/2014/main" id="{00E4D8E8-6A9C-43F1-A165-34ACFA4BF335}"/>
-              </a:ext>
-            </a:extLst>
-          </p:cNvPr>
-          <p:cNvPicPr>
-            <a:picLocks noChangeAspect="1"/>
-          </p:cNvPicPr>
-          <p:nvPr/>
-        </p:nvPicPr>
-        <p:blipFill>
-          <a:blip r:embed="rId3">
-            <a:extLst>
-              <a:ext uri="{28A0092B-C50C-407E-A947-70E740481C1C}">
-                <a14:useLocalDpi xmlns:a14="http://schemas.microsoft.com/office/drawing/2010/main" val="0"/>
-              </a:ext>
-            </a:extLst>
-          </a:blip>
-          <a:stretch>
-            <a:fillRect/>
-          </a:stretch>
-        </p:blipFill>
-        <p:spPr>
-          <a:xfrm>
-            <a:off x="3819743" y="4641983"/>
-            <a:ext cx="266700" cy="266700"/>
-          </a:xfrm>
-          <a:prstGeom prst="rect">
-            <a:avLst/>
-          </a:prstGeom>
-        </p:spPr>
-      </p:pic>
-      <p:pic>
-        <p:nvPicPr>
-          <p:cNvPr id="25" name="图片 24">
-            <a:extLst>
-              <a:ext uri="{FF2B5EF4-FFF2-40B4-BE49-F238E27FC236}">
-                <a16:creationId xmlns:a16="http://schemas.microsoft.com/office/drawing/2014/main" id="{D6286F73-9997-4F88-9C66-CD7312A28852}"/>
-              </a:ext>
-            </a:extLst>
-          </p:cNvPr>
-          <p:cNvPicPr>
-            <a:picLocks noChangeAspect="1"/>
-          </p:cNvPicPr>
-          <p:nvPr/>
-        </p:nvPicPr>
-        <p:blipFill>
-          <a:blip r:embed="rId4">
-            <a:extLst>
-              <a:ext uri="{28A0092B-C50C-407E-A947-70E740481C1C}">
-                <a14:useLocalDpi xmlns:a14="http://schemas.microsoft.com/office/drawing/2010/main" val="0"/>
-              </a:ext>
-            </a:extLst>
-          </a:blip>
-          <a:stretch>
-            <a:fillRect/>
-          </a:stretch>
-        </p:blipFill>
-        <p:spPr>
-          <a:xfrm>
-            <a:off x="3819743" y="5590901"/>
-            <a:ext cx="266700" cy="266700"/>
-          </a:xfrm>
-          <a:prstGeom prst="rect">
-            <a:avLst/>
-          </a:prstGeom>
-        </p:spPr>
-      </p:pic>
-      <p:pic>
-        <p:nvPicPr>
-          <p:cNvPr id="27" name="图片 26">
-            <a:extLst>
-              <a:ext uri="{FF2B5EF4-FFF2-40B4-BE49-F238E27FC236}">
-                <a16:creationId xmlns:a16="http://schemas.microsoft.com/office/drawing/2014/main" id="{C445E3BF-D545-456A-8515-0BE00966701A}"/>
-              </a:ext>
-            </a:extLst>
-          </p:cNvPr>
-          <p:cNvPicPr>
-            <a:picLocks noChangeAspect="1"/>
-          </p:cNvPicPr>
-          <p:nvPr/>
-        </p:nvPicPr>
-        <p:blipFill>
-          <a:blip r:embed="rId5">
-            <a:extLst>
-              <a:ext uri="{28A0092B-C50C-407E-A947-70E740481C1C}">
-                <a14:useLocalDpi xmlns:a14="http://schemas.microsoft.com/office/drawing/2010/main" val="0"/>
-              </a:ext>
-            </a:extLst>
-          </a:blip>
-          <a:stretch>
-            <a:fillRect/>
-          </a:stretch>
-        </p:blipFill>
-        <p:spPr>
-          <a:xfrm>
-            <a:off x="3819743" y="5274595"/>
-            <a:ext cx="266700" cy="266700"/>
-          </a:xfrm>
-          <a:prstGeom prst="rect">
-            <a:avLst/>
-          </a:prstGeom>
-        </p:spPr>
-      </p:pic>
-      <p:grpSp>
-        <p:nvGrpSpPr>
-          <p:cNvPr id="5" name="组合 4">
-            <a:extLst>
-              <a:ext uri="{FF2B5EF4-FFF2-40B4-BE49-F238E27FC236}">
-                <a16:creationId xmlns:a16="http://schemas.microsoft.com/office/drawing/2014/main" id="{DAC70EE1-3F08-41A4-AAB8-677C14E01581}"/>
-              </a:ext>
-            </a:extLst>
-          </p:cNvPr>
-          <p:cNvGrpSpPr>
-            <a:grpSpLocks noChangeAspect="1"/>
-          </p:cNvGrpSpPr>
-          <p:nvPr/>
-        </p:nvGrpSpPr>
-        <p:grpSpPr>
-          <a:xfrm>
-            <a:off x="2665836" y="355243"/>
-            <a:ext cx="6706764" cy="4420090"/>
-            <a:chOff x="3032250" y="833042"/>
-            <a:chExt cx="5710698" cy="3763633"/>
-          </a:xfrm>
-        </p:grpSpPr>
-        <p:pic>
-          <p:nvPicPr>
-            <p:cNvPr id="3" name="图片 2">
-              <a:extLst>
-                <a:ext uri="{FF2B5EF4-FFF2-40B4-BE49-F238E27FC236}">
-                  <a16:creationId xmlns:a16="http://schemas.microsoft.com/office/drawing/2014/main" id="{02AD2AC8-8C92-4B55-BC9C-1DDF37C8896C}"/>
-                </a:ext>
-              </a:extLst>
-            </p:cNvPr>
-            <p:cNvPicPr>
-              <a:picLocks noChangeAspect="1"/>
-            </p:cNvPicPr>
-            <p:nvPr/>
-          </p:nvPicPr>
-          <p:blipFill>
-            <a:blip r:embed="rId6">
-              <a:extLst>
-                <a:ext uri="{28A0092B-C50C-407E-A947-70E740481C1C}">
-                  <a14:useLocalDpi xmlns:a14="http://schemas.microsoft.com/office/drawing/2010/main" val="0"/>
-                </a:ext>
-              </a:extLst>
-            </a:blip>
-            <a:stretch>
-              <a:fillRect/>
-            </a:stretch>
-          </p:blipFill>
-          <p:spPr>
-            <a:xfrm>
-              <a:off x="3710219" y="1016831"/>
-              <a:ext cx="4771561" cy="3579844"/>
-            </a:xfrm>
-            <a:prstGeom prst="rect">
-              <a:avLst/>
-            </a:prstGeom>
-          </p:spPr>
-        </p:pic>
-        <p:cxnSp>
-          <p:nvCxnSpPr>
-            <p:cNvPr id="6" name="直接连接符 5">
-              <a:extLst>
-                <a:ext uri="{FF2B5EF4-FFF2-40B4-BE49-F238E27FC236}">
-                  <a16:creationId xmlns:a16="http://schemas.microsoft.com/office/drawing/2014/main" id="{33756AE6-8C78-4F38-8EA9-C0DECC91B8EB}"/>
-                </a:ext>
-              </a:extLst>
-            </p:cNvPr>
-            <p:cNvCxnSpPr>
-              <a:cxnSpLocks/>
-            </p:cNvCxnSpPr>
-            <p:nvPr/>
-          </p:nvCxnSpPr>
-          <p:spPr>
-            <a:xfrm>
-              <a:off x="3823233" y="2476709"/>
-              <a:ext cx="1005040" cy="0"/>
-            </a:xfrm>
-            <a:prstGeom prst="line">
-              <a:avLst/>
-            </a:prstGeom>
-            <a:ln w="12700" cap="flat" cmpd="sng" algn="ctr">
-              <a:solidFill>
-                <a:schemeClr val="accent3"/>
-              </a:solidFill>
-              <a:prstDash val="dash"/>
-              <a:round/>
-              <a:headEnd type="none" w="med" len="med"/>
-              <a:tailEnd type="none" w="med" len="med"/>
-            </a:ln>
-          </p:spPr>
-          <p:style>
-            <a:lnRef idx="0">
-              <a:scrgbClr r="0" g="0" b="0"/>
-            </a:lnRef>
-            <a:fillRef idx="0">
-              <a:scrgbClr r="0" g="0" b="0"/>
-            </a:fillRef>
-            <a:effectRef idx="0">
-              <a:scrgbClr r="0" g="0" b="0"/>
-            </a:effectRef>
-            <a:fontRef idx="minor">
-              <a:schemeClr val="tx1"/>
-            </a:fontRef>
-          </p:style>
-        </p:cxnSp>
-        <p:cxnSp>
-          <p:nvCxnSpPr>
-            <p:cNvPr id="7" name="直接连接符 6">
-              <a:extLst>
-                <a:ext uri="{FF2B5EF4-FFF2-40B4-BE49-F238E27FC236}">
-                  <a16:creationId xmlns:a16="http://schemas.microsoft.com/office/drawing/2014/main" id="{2B5540B3-D15C-43A8-A813-D0C4D3D7E011}"/>
-                </a:ext>
-              </a:extLst>
-            </p:cNvPr>
-            <p:cNvCxnSpPr>
-              <a:cxnSpLocks/>
-            </p:cNvCxnSpPr>
-            <p:nvPr/>
-          </p:nvCxnSpPr>
-          <p:spPr>
-            <a:xfrm flipV="1">
-              <a:off x="3819743" y="3111133"/>
-              <a:ext cx="1008530" cy="16773"/>
-            </a:xfrm>
-            <a:prstGeom prst="line">
-              <a:avLst/>
-            </a:prstGeom>
-            <a:ln w="12700" cap="flat" cmpd="sng" algn="ctr">
-              <a:solidFill>
-                <a:schemeClr val="accent3"/>
-              </a:solidFill>
-              <a:prstDash val="dash"/>
-              <a:round/>
-              <a:headEnd type="none" w="med" len="med"/>
-              <a:tailEnd type="none" w="med" len="med"/>
-            </a:ln>
-          </p:spPr>
-          <p:style>
-            <a:lnRef idx="0">
-              <a:scrgbClr r="0" g="0" b="0"/>
-            </a:lnRef>
-            <a:fillRef idx="0">
-              <a:scrgbClr r="0" g="0" b="0"/>
-            </a:fillRef>
-            <a:effectRef idx="0">
-              <a:scrgbClr r="0" g="0" b="0"/>
-            </a:effectRef>
-            <a:fontRef idx="minor">
-              <a:schemeClr val="tx1"/>
-            </a:fontRef>
-          </p:style>
-        </p:cxnSp>
-        <p:cxnSp>
-          <p:nvCxnSpPr>
-            <p:cNvPr id="8" name="直接连接符 7">
-              <a:extLst>
-                <a:ext uri="{FF2B5EF4-FFF2-40B4-BE49-F238E27FC236}">
-                  <a16:creationId xmlns:a16="http://schemas.microsoft.com/office/drawing/2014/main" id="{D10FD986-4144-4B64-83EB-5AE607E7235A}"/>
-                </a:ext>
-              </a:extLst>
-            </p:cNvPr>
-            <p:cNvCxnSpPr>
-              <a:cxnSpLocks/>
-            </p:cNvCxnSpPr>
-            <p:nvPr/>
-          </p:nvCxnSpPr>
-          <p:spPr>
-            <a:xfrm>
-              <a:off x="3823233" y="2913088"/>
-              <a:ext cx="996317" cy="0"/>
-            </a:xfrm>
-            <a:prstGeom prst="line">
-              <a:avLst/>
-            </a:prstGeom>
-            <a:ln w="12700" cap="flat" cmpd="sng" algn="ctr">
-              <a:solidFill>
-                <a:schemeClr val="accent3"/>
-              </a:solidFill>
-              <a:prstDash val="dash"/>
-              <a:round/>
-              <a:headEnd type="none" w="med" len="med"/>
-              <a:tailEnd type="none" w="med" len="med"/>
-            </a:ln>
-          </p:spPr>
-          <p:style>
-            <a:lnRef idx="0">
-              <a:scrgbClr r="0" g="0" b="0"/>
-            </a:lnRef>
-            <a:fillRef idx="0">
-              <a:scrgbClr r="0" g="0" b="0"/>
-            </a:fillRef>
-            <a:effectRef idx="0">
-              <a:scrgbClr r="0" g="0" b="0"/>
-            </a:effectRef>
-            <a:fontRef idx="minor">
-              <a:schemeClr val="tx1"/>
-            </a:fontRef>
-          </p:style>
-        </p:cxnSp>
-        <p:cxnSp>
-          <p:nvCxnSpPr>
-            <p:cNvPr id="9" name="直接连接符 8">
-              <a:extLst>
-                <a:ext uri="{FF2B5EF4-FFF2-40B4-BE49-F238E27FC236}">
-                  <a16:creationId xmlns:a16="http://schemas.microsoft.com/office/drawing/2014/main" id="{BAE42417-3ABF-4C97-B8E9-5B00D5A9B4C9}"/>
-                </a:ext>
-              </a:extLst>
-            </p:cNvPr>
-            <p:cNvCxnSpPr>
-              <a:cxnSpLocks/>
-              <a:endCxn id="19" idx="2"/>
-            </p:cNvCxnSpPr>
-            <p:nvPr/>
-          </p:nvCxnSpPr>
-          <p:spPr>
-            <a:xfrm>
-              <a:off x="3819743" y="2692572"/>
-              <a:ext cx="999807" cy="0"/>
-            </a:xfrm>
-            <a:prstGeom prst="line">
-              <a:avLst/>
-            </a:prstGeom>
-            <a:ln w="12700" cap="flat" cmpd="sng" algn="ctr">
-              <a:solidFill>
-                <a:schemeClr val="accent3"/>
-              </a:solidFill>
-              <a:prstDash val="dash"/>
-              <a:round/>
-              <a:headEnd type="none" w="med" len="med"/>
-              <a:tailEnd type="none" w="med" len="med"/>
-            </a:ln>
-          </p:spPr>
-          <p:style>
-            <a:lnRef idx="0">
-              <a:scrgbClr r="0" g="0" b="0"/>
-            </a:lnRef>
-            <a:fillRef idx="0">
-              <a:scrgbClr r="0" g="0" b="0"/>
-            </a:fillRef>
-            <a:effectRef idx="0">
-              <a:scrgbClr r="0" g="0" b="0"/>
-            </a:effectRef>
-            <a:fontRef idx="minor">
-              <a:schemeClr val="tx1"/>
-            </a:fontRef>
-          </p:style>
-        </p:cxnSp>
-        <p:pic>
-          <p:nvPicPr>
-            <p:cNvPr id="10" name="图片 9">
-              <a:extLst>
-                <a:ext uri="{FF2B5EF4-FFF2-40B4-BE49-F238E27FC236}">
-                  <a16:creationId xmlns:a16="http://schemas.microsoft.com/office/drawing/2014/main" id="{508F3E1A-E617-4802-B708-EC14431C548E}"/>
-                </a:ext>
-              </a:extLst>
-            </p:cNvPr>
-            <p:cNvPicPr>
-              <a:picLocks noChangeAspect="1"/>
-            </p:cNvPicPr>
-            <p:nvPr/>
-          </p:nvPicPr>
-          <p:blipFill>
-            <a:blip r:embed="rId2">
-              <a:extLst>
-                <a:ext uri="{28A0092B-C50C-407E-A947-70E740481C1C}">
-                  <a14:useLocalDpi xmlns:a14="http://schemas.microsoft.com/office/drawing/2010/main" val="0"/>
-                </a:ext>
-              </a:extLst>
-            </a:blip>
-            <a:stretch>
-              <a:fillRect/>
-            </a:stretch>
-          </p:blipFill>
-          <p:spPr>
-            <a:xfrm>
-              <a:off x="3032250" y="2352561"/>
-              <a:ext cx="393747" cy="393747"/>
-            </a:xfrm>
-            <a:prstGeom prst="rect">
-              <a:avLst/>
-            </a:prstGeom>
-          </p:spPr>
-        </p:pic>
-        <p:pic>
-          <p:nvPicPr>
-            <p:cNvPr id="11" name="图片 10">
-              <a:extLst>
-                <a:ext uri="{FF2B5EF4-FFF2-40B4-BE49-F238E27FC236}">
-                  <a16:creationId xmlns:a16="http://schemas.microsoft.com/office/drawing/2014/main" id="{E7994592-B356-4B2A-9EB6-284AAA3B994D}"/>
-                </a:ext>
-              </a:extLst>
-            </p:cNvPr>
-            <p:cNvPicPr>
-              <a:picLocks noChangeAspect="1"/>
-            </p:cNvPicPr>
-            <p:nvPr/>
-          </p:nvPicPr>
-          <p:blipFill>
-            <a:blip r:embed="rId3">
-              <a:extLst>
-                <a:ext uri="{28A0092B-C50C-407E-A947-70E740481C1C}">
-                  <a14:useLocalDpi xmlns:a14="http://schemas.microsoft.com/office/drawing/2010/main" val="0"/>
-                </a:ext>
-              </a:extLst>
-            </a:blip>
-            <a:stretch>
-              <a:fillRect/>
-            </a:stretch>
-          </p:blipFill>
-          <p:spPr>
-            <a:xfrm>
-              <a:off x="3032250" y="1874784"/>
-              <a:ext cx="393747" cy="393747"/>
-            </a:xfrm>
-            <a:prstGeom prst="rect">
-              <a:avLst/>
-            </a:prstGeom>
-          </p:spPr>
-        </p:pic>
-        <p:pic>
-          <p:nvPicPr>
-            <p:cNvPr id="12" name="图片 11">
-              <a:extLst>
-                <a:ext uri="{FF2B5EF4-FFF2-40B4-BE49-F238E27FC236}">
-                  <a16:creationId xmlns:a16="http://schemas.microsoft.com/office/drawing/2014/main" id="{AC11C954-0521-4BF3-8E3A-D6DA53293B41}"/>
-                </a:ext>
-              </a:extLst>
-            </p:cNvPr>
-            <p:cNvPicPr>
-              <a:picLocks noChangeAspect="1"/>
-            </p:cNvPicPr>
-            <p:nvPr/>
-          </p:nvPicPr>
-          <p:blipFill>
-            <a:blip r:embed="rId4">
-              <a:extLst>
-                <a:ext uri="{28A0092B-C50C-407E-A947-70E740481C1C}">
-                  <a14:useLocalDpi xmlns:a14="http://schemas.microsoft.com/office/drawing/2010/main" val="0"/>
-                </a:ext>
-              </a:extLst>
-            </a:blip>
-            <a:stretch>
-              <a:fillRect/>
-            </a:stretch>
-          </p:blipFill>
-          <p:spPr>
-            <a:xfrm>
-              <a:off x="3032250" y="3291501"/>
-              <a:ext cx="393747" cy="393747"/>
-            </a:xfrm>
-            <a:prstGeom prst="rect">
-              <a:avLst/>
-            </a:prstGeom>
-          </p:spPr>
-        </p:pic>
-        <p:pic>
-          <p:nvPicPr>
-            <p:cNvPr id="13" name="图片 12">
-              <a:extLst>
-                <a:ext uri="{FF2B5EF4-FFF2-40B4-BE49-F238E27FC236}">
-                  <a16:creationId xmlns:a16="http://schemas.microsoft.com/office/drawing/2014/main" id="{DBA56C5B-7D5A-4639-99C6-AF47E6EC6A1C}"/>
-                </a:ext>
-              </a:extLst>
-            </p:cNvPr>
-            <p:cNvPicPr>
-              <a:picLocks noChangeAspect="1"/>
-            </p:cNvPicPr>
-            <p:nvPr/>
-          </p:nvPicPr>
-          <p:blipFill>
-            <a:blip r:embed="rId5">
-              <a:extLst>
-                <a:ext uri="{28A0092B-C50C-407E-A947-70E740481C1C}">
-                  <a14:useLocalDpi xmlns:a14="http://schemas.microsoft.com/office/drawing/2010/main" val="0"/>
-                </a:ext>
-              </a:extLst>
-            </a:blip>
-            <a:stretch>
-              <a:fillRect/>
-            </a:stretch>
-          </p:blipFill>
-          <p:spPr>
-            <a:xfrm>
-              <a:off x="3032250" y="2809570"/>
-              <a:ext cx="393747" cy="393747"/>
-            </a:xfrm>
-            <a:prstGeom prst="rect">
-              <a:avLst/>
-            </a:prstGeom>
-          </p:spPr>
-        </p:pic>
-        <p:cxnSp>
-          <p:nvCxnSpPr>
-            <p:cNvPr id="14" name="直接连接符 13">
-              <a:extLst>
-                <a:ext uri="{FF2B5EF4-FFF2-40B4-BE49-F238E27FC236}">
-                  <a16:creationId xmlns:a16="http://schemas.microsoft.com/office/drawing/2014/main" id="{B4FA74ED-6212-4126-9586-51EE5DB9360E}"/>
-                </a:ext>
-              </a:extLst>
-            </p:cNvPr>
-            <p:cNvCxnSpPr>
-              <a:cxnSpLocks/>
-              <a:endCxn id="11" idx="3"/>
-            </p:cNvCxnSpPr>
-            <p:nvPr/>
-          </p:nvCxnSpPr>
-          <p:spPr>
-            <a:xfrm flipH="1" flipV="1">
-              <a:off x="3425997" y="2071657"/>
-              <a:ext cx="397237" cy="388627"/>
-            </a:xfrm>
-            <a:prstGeom prst="line">
-              <a:avLst/>
-            </a:prstGeom>
-            <a:ln w="12700" cap="flat" cmpd="sng" algn="ctr">
-              <a:solidFill>
-                <a:schemeClr val="accent3"/>
-              </a:solidFill>
-              <a:prstDash val="dash"/>
-              <a:round/>
-              <a:headEnd type="none" w="med" len="med"/>
-              <a:tailEnd type="none" w="med" len="med"/>
-            </a:ln>
-          </p:spPr>
-          <p:style>
-            <a:lnRef idx="0">
-              <a:scrgbClr r="0" g="0" b="0"/>
-            </a:lnRef>
-            <a:fillRef idx="0">
-              <a:scrgbClr r="0" g="0" b="0"/>
-            </a:fillRef>
-            <a:effectRef idx="0">
-              <a:scrgbClr r="0" g="0" b="0"/>
-            </a:effectRef>
-            <a:fontRef idx="minor">
-              <a:schemeClr val="tx1"/>
-            </a:fontRef>
-          </p:style>
-        </p:cxnSp>
-        <p:cxnSp>
-          <p:nvCxnSpPr>
-            <p:cNvPr id="15" name="直接连接符 14">
-              <a:extLst>
-                <a:ext uri="{FF2B5EF4-FFF2-40B4-BE49-F238E27FC236}">
-                  <a16:creationId xmlns:a16="http://schemas.microsoft.com/office/drawing/2014/main" id="{10B0E017-5BAB-4B2D-A706-935B545A8495}"/>
-                </a:ext>
-              </a:extLst>
-            </p:cNvPr>
-            <p:cNvCxnSpPr>
-              <a:cxnSpLocks/>
-              <a:endCxn id="10" idx="3"/>
-            </p:cNvCxnSpPr>
-            <p:nvPr/>
-          </p:nvCxnSpPr>
-          <p:spPr>
-            <a:xfrm flipH="1" flipV="1">
-              <a:off x="3425997" y="2549435"/>
-              <a:ext cx="393746" cy="138674"/>
-            </a:xfrm>
-            <a:prstGeom prst="line">
-              <a:avLst/>
-            </a:prstGeom>
-            <a:ln w="12700" cap="flat" cmpd="sng" algn="ctr">
-              <a:solidFill>
-                <a:schemeClr val="accent3"/>
-              </a:solidFill>
-              <a:prstDash val="dash"/>
-              <a:round/>
-              <a:headEnd type="none" w="med" len="med"/>
-              <a:tailEnd type="none" w="med" len="med"/>
-            </a:ln>
-          </p:spPr>
-          <p:style>
-            <a:lnRef idx="0">
-              <a:scrgbClr r="0" g="0" b="0"/>
-            </a:lnRef>
-            <a:fillRef idx="0">
-              <a:scrgbClr r="0" g="0" b="0"/>
-            </a:fillRef>
-            <a:effectRef idx="0">
-              <a:scrgbClr r="0" g="0" b="0"/>
-            </a:effectRef>
-            <a:fontRef idx="minor">
-              <a:schemeClr val="tx1"/>
-            </a:fontRef>
-          </p:style>
-        </p:cxnSp>
-        <p:cxnSp>
-          <p:nvCxnSpPr>
-            <p:cNvPr id="16" name="直接连接符 15">
-              <a:extLst>
-                <a:ext uri="{FF2B5EF4-FFF2-40B4-BE49-F238E27FC236}">
-                  <a16:creationId xmlns:a16="http://schemas.microsoft.com/office/drawing/2014/main" id="{B58DDF23-2427-40AB-9AB2-2FA9AF8AB93F}"/>
-                </a:ext>
-              </a:extLst>
-            </p:cNvPr>
-            <p:cNvCxnSpPr>
-              <a:cxnSpLocks/>
-              <a:endCxn id="13" idx="3"/>
-            </p:cNvCxnSpPr>
-            <p:nvPr/>
-          </p:nvCxnSpPr>
-          <p:spPr>
-            <a:xfrm flipH="1">
-              <a:off x="3425997" y="2913088"/>
-              <a:ext cx="393747" cy="93356"/>
-            </a:xfrm>
-            <a:prstGeom prst="line">
-              <a:avLst/>
-            </a:prstGeom>
-            <a:ln w="12700" cap="flat" cmpd="sng" algn="ctr">
-              <a:solidFill>
-                <a:schemeClr val="accent3"/>
-              </a:solidFill>
-              <a:prstDash val="dash"/>
-              <a:round/>
-              <a:headEnd type="none" w="med" len="med"/>
-              <a:tailEnd type="none" w="med" len="med"/>
-            </a:ln>
-          </p:spPr>
-          <p:style>
-            <a:lnRef idx="0">
-              <a:scrgbClr r="0" g="0" b="0"/>
-            </a:lnRef>
-            <a:fillRef idx="0">
-              <a:scrgbClr r="0" g="0" b="0"/>
-            </a:fillRef>
-            <a:effectRef idx="0">
-              <a:scrgbClr r="0" g="0" b="0"/>
-            </a:effectRef>
-            <a:fontRef idx="minor">
-              <a:schemeClr val="tx1"/>
-            </a:fontRef>
-          </p:style>
-        </p:cxnSp>
-        <p:cxnSp>
-          <p:nvCxnSpPr>
-            <p:cNvPr id="17" name="直接连接符 16">
-              <a:extLst>
-                <a:ext uri="{FF2B5EF4-FFF2-40B4-BE49-F238E27FC236}">
-                  <a16:creationId xmlns:a16="http://schemas.microsoft.com/office/drawing/2014/main" id="{A8E9DD9A-823F-4CD0-B00A-5C2C9E0E90D6}"/>
-                </a:ext>
-              </a:extLst>
-            </p:cNvPr>
-            <p:cNvCxnSpPr>
-              <a:cxnSpLocks/>
-              <a:endCxn id="12" idx="3"/>
-            </p:cNvCxnSpPr>
-            <p:nvPr/>
-          </p:nvCxnSpPr>
-          <p:spPr>
-            <a:xfrm flipH="1">
-              <a:off x="3425997" y="3127905"/>
-              <a:ext cx="397237" cy="360469"/>
-            </a:xfrm>
-            <a:prstGeom prst="line">
-              <a:avLst/>
-            </a:prstGeom>
-            <a:ln w="12700" cap="flat" cmpd="sng" algn="ctr">
-              <a:solidFill>
-                <a:schemeClr val="accent3"/>
-              </a:solidFill>
-              <a:prstDash val="dash"/>
-              <a:round/>
-              <a:headEnd type="none" w="med" len="med"/>
-              <a:tailEnd type="none" w="med" len="med"/>
-            </a:ln>
-          </p:spPr>
-          <p:style>
-            <a:lnRef idx="0">
-              <a:scrgbClr r="0" g="0" b="0"/>
-            </a:lnRef>
-            <a:fillRef idx="0">
-              <a:scrgbClr r="0" g="0" b="0"/>
-            </a:fillRef>
-            <a:effectRef idx="0">
-              <a:scrgbClr r="0" g="0" b="0"/>
-            </a:effectRef>
-            <a:fontRef idx="minor">
-              <a:schemeClr val="tx1"/>
-            </a:fontRef>
-          </p:style>
-        </p:cxnSp>
-        <p:sp>
-          <p:nvSpPr>
-            <p:cNvPr id="18" name="椭圆 17">
-              <a:extLst>
-                <a:ext uri="{FF2B5EF4-FFF2-40B4-BE49-F238E27FC236}">
-                  <a16:creationId xmlns:a16="http://schemas.microsoft.com/office/drawing/2014/main" id="{6438F705-A825-4E37-888D-4DAB7884C6D0}"/>
-                </a:ext>
-              </a:extLst>
-            </p:cNvPr>
-            <p:cNvSpPr>
-              <a:spLocks noChangeAspect="1"/>
-            </p:cNvSpPr>
-            <p:nvPr/>
-          </p:nvSpPr>
-          <p:spPr>
-            <a:xfrm>
-              <a:off x="4819550" y="2444470"/>
-              <a:ext cx="85259" cy="85259"/>
-            </a:xfrm>
-            <a:prstGeom prst="ellipse">
-              <a:avLst/>
-            </a:prstGeom>
-            <a:solidFill>
-              <a:srgbClr val="FFC000"/>
-            </a:solidFill>
-            <a:ln w="25400">
-              <a:solidFill>
-                <a:schemeClr val="bg1"/>
-              </a:solidFill>
-            </a:ln>
-          </p:spPr>
-          <p:style>
-            <a:lnRef idx="2">
-              <a:schemeClr val="accent1">
-                <a:shade val="50000"/>
-              </a:schemeClr>
-            </a:lnRef>
-            <a:fillRef idx="1">
-              <a:schemeClr val="accent1"/>
-            </a:fillRef>
-            <a:effectRef idx="0">
-              <a:schemeClr val="accent1"/>
-            </a:effectRef>
-            <a:fontRef idx="minor">
-              <a:schemeClr val="lt1"/>
-            </a:fontRef>
-          </p:style>
-          <p:txBody>
-            <a:bodyPr rtlCol="0" anchor="ctr"/>
-            <a:lstStyle/>
-            <a:p>
-              <a:pPr algn="just"/>
-              <a:endParaRPr lang="en-US">
-                <a:cs typeface="+mn-ea"/>
-              </a:endParaRPr>
-            </a:p>
-          </p:txBody>
-        </p:sp>
-        <p:sp>
-          <p:nvSpPr>
-            <p:cNvPr id="19" name="椭圆 18">
-              <a:extLst>
-                <a:ext uri="{FF2B5EF4-FFF2-40B4-BE49-F238E27FC236}">
-                  <a16:creationId xmlns:a16="http://schemas.microsoft.com/office/drawing/2014/main" id="{46912687-9C1A-4DEF-955D-6723C8B014BA}"/>
-                </a:ext>
-              </a:extLst>
-            </p:cNvPr>
-            <p:cNvSpPr>
-              <a:spLocks noChangeAspect="1"/>
-            </p:cNvSpPr>
-            <p:nvPr/>
-          </p:nvSpPr>
-          <p:spPr>
-            <a:xfrm>
-              <a:off x="4819550" y="2649942"/>
-              <a:ext cx="85259" cy="85259"/>
-            </a:xfrm>
-            <a:prstGeom prst="ellipse">
-              <a:avLst/>
-            </a:prstGeom>
-            <a:solidFill>
-              <a:srgbClr val="FFC000"/>
-            </a:solidFill>
-            <a:ln w="25400">
-              <a:solidFill>
-                <a:schemeClr val="bg1"/>
-              </a:solidFill>
-            </a:ln>
-          </p:spPr>
-          <p:style>
-            <a:lnRef idx="2">
-              <a:schemeClr val="accent1">
-                <a:shade val="50000"/>
-              </a:schemeClr>
-            </a:lnRef>
-            <a:fillRef idx="1">
-              <a:schemeClr val="accent1"/>
-            </a:fillRef>
-            <a:effectRef idx="0">
-              <a:schemeClr val="accent1"/>
-            </a:effectRef>
-            <a:fontRef idx="minor">
-              <a:schemeClr val="lt1"/>
-            </a:fontRef>
-          </p:style>
-          <p:txBody>
-            <a:bodyPr rtlCol="0" anchor="ctr"/>
-            <a:lstStyle/>
-            <a:p>
-              <a:pPr algn="just"/>
-              <a:endParaRPr lang="en-US">
-                <a:cs typeface="+mn-ea"/>
-              </a:endParaRPr>
-            </a:p>
-          </p:txBody>
-        </p:sp>
-        <p:sp>
-          <p:nvSpPr>
-            <p:cNvPr id="20" name="椭圆 19">
-              <a:extLst>
-                <a:ext uri="{FF2B5EF4-FFF2-40B4-BE49-F238E27FC236}">
-                  <a16:creationId xmlns:a16="http://schemas.microsoft.com/office/drawing/2014/main" id="{DB27BBCE-6112-4715-BC18-3DC5F74C62C8}"/>
-                </a:ext>
-              </a:extLst>
-            </p:cNvPr>
-            <p:cNvSpPr>
-              <a:spLocks noChangeAspect="1"/>
-            </p:cNvSpPr>
-            <p:nvPr/>
-          </p:nvSpPr>
-          <p:spPr>
-            <a:xfrm>
-              <a:off x="4819550" y="2866030"/>
-              <a:ext cx="85259" cy="85259"/>
-            </a:xfrm>
-            <a:prstGeom prst="ellipse">
-              <a:avLst/>
-            </a:prstGeom>
-            <a:solidFill>
-              <a:srgbClr val="FFC000"/>
-            </a:solidFill>
-            <a:ln w="25400">
-              <a:solidFill>
-                <a:schemeClr val="bg1"/>
-              </a:solidFill>
-            </a:ln>
-          </p:spPr>
-          <p:style>
-            <a:lnRef idx="2">
-              <a:schemeClr val="accent1">
-                <a:shade val="50000"/>
-              </a:schemeClr>
-            </a:lnRef>
-            <a:fillRef idx="1">
-              <a:schemeClr val="accent1"/>
-            </a:fillRef>
-            <a:effectRef idx="0">
-              <a:schemeClr val="accent1"/>
-            </a:effectRef>
-            <a:fontRef idx="minor">
-              <a:schemeClr val="lt1"/>
-            </a:fontRef>
-          </p:style>
-          <p:txBody>
-            <a:bodyPr rtlCol="0" anchor="ctr"/>
-            <a:lstStyle/>
-            <a:p>
-              <a:pPr algn="just"/>
-              <a:endParaRPr lang="en-US">
-                <a:cs typeface="+mn-ea"/>
-              </a:endParaRPr>
-            </a:p>
-          </p:txBody>
-        </p:sp>
-        <p:sp>
-          <p:nvSpPr>
-            <p:cNvPr id="21" name="椭圆 20">
-              <a:extLst>
-                <a:ext uri="{FF2B5EF4-FFF2-40B4-BE49-F238E27FC236}">
-                  <a16:creationId xmlns:a16="http://schemas.microsoft.com/office/drawing/2014/main" id="{E7B7F82F-A5F5-4FD8-9EBD-7BF5A8F58B01}"/>
-                </a:ext>
-              </a:extLst>
-            </p:cNvPr>
-            <p:cNvSpPr>
-              <a:spLocks noChangeAspect="1"/>
-            </p:cNvSpPr>
-            <p:nvPr/>
-          </p:nvSpPr>
-          <p:spPr>
-            <a:xfrm>
-              <a:off x="4819550" y="3064712"/>
-              <a:ext cx="85259" cy="85259"/>
-            </a:xfrm>
-            <a:prstGeom prst="ellipse">
-              <a:avLst/>
-            </a:prstGeom>
-            <a:solidFill>
-              <a:srgbClr val="FFC000"/>
-            </a:solidFill>
-            <a:ln w="25400">
-              <a:solidFill>
-                <a:schemeClr val="bg1"/>
-              </a:solidFill>
-            </a:ln>
-          </p:spPr>
-          <p:style>
-            <a:lnRef idx="2">
-              <a:schemeClr val="accent1">
-                <a:shade val="50000"/>
-              </a:schemeClr>
-            </a:lnRef>
-            <a:fillRef idx="1">
-              <a:schemeClr val="accent1"/>
-            </a:fillRef>
-            <a:effectRef idx="0">
-              <a:schemeClr val="accent1"/>
-            </a:effectRef>
-            <a:fontRef idx="minor">
-              <a:schemeClr val="lt1"/>
-            </a:fontRef>
-          </p:style>
-          <p:txBody>
-            <a:bodyPr rtlCol="0" anchor="ctr"/>
-            <a:lstStyle/>
-            <a:p>
-              <a:pPr algn="just"/>
-              <a:endParaRPr lang="en-US">
-                <a:cs typeface="+mn-ea"/>
-              </a:endParaRPr>
-            </a:p>
-          </p:txBody>
-        </p:sp>
-        <p:cxnSp>
-          <p:nvCxnSpPr>
-            <p:cNvPr id="40" name="直接连接符 39">
-              <a:extLst>
-                <a:ext uri="{FF2B5EF4-FFF2-40B4-BE49-F238E27FC236}">
-                  <a16:creationId xmlns:a16="http://schemas.microsoft.com/office/drawing/2014/main" id="{0A0A84F9-8F5F-4C98-A54A-5910BA224056}"/>
-                </a:ext>
-              </a:extLst>
-            </p:cNvPr>
-            <p:cNvCxnSpPr>
-              <a:cxnSpLocks/>
-            </p:cNvCxnSpPr>
-            <p:nvPr/>
-          </p:nvCxnSpPr>
-          <p:spPr>
-            <a:xfrm flipV="1">
-              <a:off x="7416616" y="1233152"/>
-              <a:ext cx="1202283" cy="1"/>
-            </a:xfrm>
-            <a:prstGeom prst="line">
-              <a:avLst/>
-            </a:prstGeom>
-            <a:ln w="19050">
-              <a:solidFill>
-                <a:schemeClr val="bg1">
-                  <a:lumMod val="50000"/>
-                </a:schemeClr>
-              </a:solidFill>
-              <a:prstDash val="solid"/>
-            </a:ln>
-          </p:spPr>
-          <p:style>
-            <a:lnRef idx="1">
-              <a:schemeClr val="accent1"/>
-            </a:lnRef>
-            <a:fillRef idx="0">
-              <a:schemeClr val="accent1"/>
-            </a:fillRef>
-            <a:effectRef idx="0">
-              <a:schemeClr val="accent1"/>
-            </a:effectRef>
-            <a:fontRef idx="minor">
-              <a:schemeClr val="tx1"/>
-            </a:fontRef>
-          </p:style>
-        </p:cxnSp>
-        <p:sp>
-          <p:nvSpPr>
-            <p:cNvPr id="41" name="文本框 40">
-              <a:extLst>
-                <a:ext uri="{FF2B5EF4-FFF2-40B4-BE49-F238E27FC236}">
-                  <a16:creationId xmlns:a16="http://schemas.microsoft.com/office/drawing/2014/main" id="{F04C170B-8A4B-4F2E-B63F-8EA3EB0A7C6C}"/>
-                </a:ext>
-              </a:extLst>
-            </p:cNvPr>
-            <p:cNvSpPr txBox="1"/>
-            <p:nvPr/>
-          </p:nvSpPr>
-          <p:spPr>
-            <a:xfrm>
-              <a:off x="7346412" y="833042"/>
-              <a:ext cx="1396536" cy="400110"/>
-            </a:xfrm>
-            <a:prstGeom prst="rect">
-              <a:avLst/>
-            </a:prstGeom>
-            <a:noFill/>
-          </p:spPr>
-          <p:txBody>
-            <a:bodyPr wrap="none" rtlCol="0">
-              <a:spAutoFit/>
-            </a:bodyPr>
-            <a:lstStyle/>
-            <a:p>
-              <a:pPr algn="just"/>
-              <a:r>
-                <a:rPr lang="en-US" sz="2000">
-                  <a:solidFill>
-                    <a:schemeClr val="bg1">
-                      <a:lumMod val="50000"/>
-                    </a:schemeClr>
-                  </a:solidFill>
-                  <a:latin typeface="Bahnschrift SemiBold Condensed" panose="020B0502040204020203" pitchFamily="34" charset="0"/>
-                  <a:cs typeface="Aharoni" panose="02010803020104030203" pitchFamily="2" charset="-79"/>
-                </a:rPr>
-                <a:t>ADXL 357 CHIP </a:t>
-              </a:r>
-              <a:endParaRPr lang="en-US" sz="2000" dirty="0">
-                <a:solidFill>
-                  <a:schemeClr val="bg1">
-                    <a:lumMod val="50000"/>
-                  </a:schemeClr>
-                </a:solidFill>
-                <a:latin typeface="Bahnschrift SemiBold Condensed" panose="020B0502040204020203" pitchFamily="34" charset="0"/>
-                <a:cs typeface="Aharoni" panose="02010803020104030203" pitchFamily="2" charset="-79"/>
-              </a:endParaRPr>
-            </a:p>
-          </p:txBody>
-        </p:sp>
-        <p:sp>
-          <p:nvSpPr>
-            <p:cNvPr id="42" name="椭圆 41">
-              <a:extLst>
-                <a:ext uri="{FF2B5EF4-FFF2-40B4-BE49-F238E27FC236}">
-                  <a16:creationId xmlns:a16="http://schemas.microsoft.com/office/drawing/2014/main" id="{8DB81124-22A5-4B04-8844-F5981EBB5B02}"/>
-                </a:ext>
-              </a:extLst>
-            </p:cNvPr>
-            <p:cNvSpPr>
-              <a:spLocks noChangeAspect="1"/>
-            </p:cNvSpPr>
-            <p:nvPr/>
-          </p:nvSpPr>
-          <p:spPr>
-            <a:xfrm>
-              <a:off x="6781598" y="2520644"/>
-              <a:ext cx="103124" cy="103124"/>
-            </a:xfrm>
-            <a:prstGeom prst="ellipse">
-              <a:avLst/>
-            </a:prstGeom>
-            <a:solidFill>
-              <a:srgbClr val="FFC000"/>
-            </a:solidFill>
-            <a:ln w="25400">
-              <a:solidFill>
-                <a:schemeClr val="bg1"/>
-              </a:solidFill>
-            </a:ln>
-          </p:spPr>
-          <p:style>
-            <a:lnRef idx="2">
-              <a:schemeClr val="accent1">
-                <a:shade val="50000"/>
-              </a:schemeClr>
-            </a:lnRef>
-            <a:fillRef idx="1">
-              <a:schemeClr val="accent1"/>
-            </a:fillRef>
-            <a:effectRef idx="0">
-              <a:schemeClr val="accent1"/>
-            </a:effectRef>
-            <a:fontRef idx="minor">
-              <a:schemeClr val="lt1"/>
-            </a:fontRef>
-          </p:style>
-          <p:txBody>
-            <a:bodyPr rtlCol="0" anchor="ctr"/>
-            <a:lstStyle/>
-            <a:p>
-              <a:pPr algn="just"/>
-              <a:endParaRPr lang="en-US">
-                <a:cs typeface="+mn-ea"/>
-              </a:endParaRPr>
-            </a:p>
-          </p:txBody>
-        </p:sp>
-        <p:cxnSp>
-          <p:nvCxnSpPr>
-            <p:cNvPr id="43" name="直接连接符 42">
-              <a:extLst>
-                <a:ext uri="{FF2B5EF4-FFF2-40B4-BE49-F238E27FC236}">
-                  <a16:creationId xmlns:a16="http://schemas.microsoft.com/office/drawing/2014/main" id="{4FBD39A7-92DE-446B-8638-0F3EDA996863}"/>
-                </a:ext>
-              </a:extLst>
-            </p:cNvPr>
-            <p:cNvCxnSpPr>
-              <a:cxnSpLocks/>
-            </p:cNvCxnSpPr>
-            <p:nvPr/>
-          </p:nvCxnSpPr>
-          <p:spPr>
-            <a:xfrm flipV="1">
-              <a:off x="6873448" y="1233153"/>
-              <a:ext cx="543168" cy="1306942"/>
-            </a:xfrm>
-            <a:prstGeom prst="line">
-              <a:avLst/>
-            </a:prstGeom>
-            <a:ln w="19050">
-              <a:solidFill>
-                <a:schemeClr val="bg1">
-                  <a:lumMod val="50000"/>
-                </a:schemeClr>
-              </a:solidFill>
-              <a:prstDash val="dash"/>
-            </a:ln>
-          </p:spPr>
-          <p:style>
-            <a:lnRef idx="1">
-              <a:schemeClr val="accent1"/>
-            </a:lnRef>
-            <a:fillRef idx="0">
-              <a:schemeClr val="accent1"/>
-            </a:fillRef>
-            <a:effectRef idx="0">
-              <a:schemeClr val="accent1"/>
-            </a:effectRef>
-            <a:fontRef idx="minor">
-              <a:schemeClr val="tx1"/>
-            </a:fontRef>
-          </p:style>
-        </p:cxnSp>
-      </p:grpSp>
+        </p:txBody>
+      </p:sp>
     </p:spTree>
     <p:extLst>
       <p:ext uri="{BB962C8B-B14F-4D97-AF65-F5344CB8AC3E}">
